--- a/Teamprojekt Woche 9.pptx
+++ b/Teamprojekt Woche 9.pptx
@@ -1,21 +1,118 @@
 
 <file path=ppt/presentation.xml><?xml version="1.0" encoding="utf-8"?>
-<p:presentation xmlns:a="http://schemas.openxmlformats.org/drawingml/2006/main" xmlns:p="http://schemas.openxmlformats.org/presentationml/2006/main" xmlns:r="http://schemas.openxmlformats.org/officeDocument/2006/relationships" xmlns:p14="http://schemas.microsoft.com/office/powerpoint/2010/main" xmlns:p15="http://schemas.microsoft.com/office/powerpoint/2012/main" xmlns:mc="http://schemas.openxmlformats.org/markup-compatibility/2006">
+<p:presentation xmlns:a="http://schemas.openxmlformats.org/drawingml/2006/main" xmlns:r="http://schemas.openxmlformats.org/officeDocument/2006/relationships" xmlns:p="http://schemas.openxmlformats.org/presentationml/2006/main">
   <p:sldMasterIdLst>
-    <p:sldMasterId id="2147483648" r:id="rId2"/>
-    <p:sldMasterId id="2147483661" r:id="rId3"/>
+    <p:sldMasterId id="2147483648" r:id="rId1"/>
+    <p:sldMasterId id="2147483661" r:id="rId2"/>
   </p:sldMasterIdLst>
   <p:sldIdLst>
-    <p:sldId id="256" r:id="rId4"/>
-    <p:sldId id="257" r:id="rId5"/>
+    <p:sldId id="256" r:id="rId3"/>
+    <p:sldId id="257" r:id="rId4"/>
+    <p:sldId id="259" r:id="rId5"/>
+    <p:sldId id="258" r:id="rId6"/>
   </p:sldIdLst>
-  <p:sldSz cx="9144000" cy="6858000"/>
-  <p:notesSz cx="7559675" cy="10691812"/>
+  <p:sldSz cx="9144000" cy="6858000" type="screen4x3"/>
+  <p:notesSz cx="7559675" cy="10691813"/>
+  <p:defaultTextStyle>
+    <a:defPPr>
+      <a:defRPr lang="de-DE"/>
+    </a:defPPr>
+    <a:lvl1pPr marL="0" algn="l" defTabSz="914400" rtl="0" eaLnBrk="1" latinLnBrk="0" hangingPunct="1">
+      <a:defRPr sz="1800" kern="1200">
+        <a:solidFill>
+          <a:schemeClr val="tx1"/>
+        </a:solidFill>
+        <a:latin typeface="+mn-lt"/>
+        <a:ea typeface="+mn-ea"/>
+        <a:cs typeface="+mn-cs"/>
+      </a:defRPr>
+    </a:lvl1pPr>
+    <a:lvl2pPr marL="457200" algn="l" defTabSz="914400" rtl="0" eaLnBrk="1" latinLnBrk="0" hangingPunct="1">
+      <a:defRPr sz="1800" kern="1200">
+        <a:solidFill>
+          <a:schemeClr val="tx1"/>
+        </a:solidFill>
+        <a:latin typeface="+mn-lt"/>
+        <a:ea typeface="+mn-ea"/>
+        <a:cs typeface="+mn-cs"/>
+      </a:defRPr>
+    </a:lvl2pPr>
+    <a:lvl3pPr marL="914400" algn="l" defTabSz="914400" rtl="0" eaLnBrk="1" latinLnBrk="0" hangingPunct="1">
+      <a:defRPr sz="1800" kern="1200">
+        <a:solidFill>
+          <a:schemeClr val="tx1"/>
+        </a:solidFill>
+        <a:latin typeface="+mn-lt"/>
+        <a:ea typeface="+mn-ea"/>
+        <a:cs typeface="+mn-cs"/>
+      </a:defRPr>
+    </a:lvl3pPr>
+    <a:lvl4pPr marL="1371600" algn="l" defTabSz="914400" rtl="0" eaLnBrk="1" latinLnBrk="0" hangingPunct="1">
+      <a:defRPr sz="1800" kern="1200">
+        <a:solidFill>
+          <a:schemeClr val="tx1"/>
+        </a:solidFill>
+        <a:latin typeface="+mn-lt"/>
+        <a:ea typeface="+mn-ea"/>
+        <a:cs typeface="+mn-cs"/>
+      </a:defRPr>
+    </a:lvl4pPr>
+    <a:lvl5pPr marL="1828800" algn="l" defTabSz="914400" rtl="0" eaLnBrk="1" latinLnBrk="0" hangingPunct="1">
+      <a:defRPr sz="1800" kern="1200">
+        <a:solidFill>
+          <a:schemeClr val="tx1"/>
+        </a:solidFill>
+        <a:latin typeface="+mn-lt"/>
+        <a:ea typeface="+mn-ea"/>
+        <a:cs typeface="+mn-cs"/>
+      </a:defRPr>
+    </a:lvl5pPr>
+    <a:lvl6pPr marL="2286000" algn="l" defTabSz="914400" rtl="0" eaLnBrk="1" latinLnBrk="0" hangingPunct="1">
+      <a:defRPr sz="1800" kern="1200">
+        <a:solidFill>
+          <a:schemeClr val="tx1"/>
+        </a:solidFill>
+        <a:latin typeface="+mn-lt"/>
+        <a:ea typeface="+mn-ea"/>
+        <a:cs typeface="+mn-cs"/>
+      </a:defRPr>
+    </a:lvl6pPr>
+    <a:lvl7pPr marL="2743200" algn="l" defTabSz="914400" rtl="0" eaLnBrk="1" latinLnBrk="0" hangingPunct="1">
+      <a:defRPr sz="1800" kern="1200">
+        <a:solidFill>
+          <a:schemeClr val="tx1"/>
+        </a:solidFill>
+        <a:latin typeface="+mn-lt"/>
+        <a:ea typeface="+mn-ea"/>
+        <a:cs typeface="+mn-cs"/>
+      </a:defRPr>
+    </a:lvl7pPr>
+    <a:lvl8pPr marL="3200400" algn="l" defTabSz="914400" rtl="0" eaLnBrk="1" latinLnBrk="0" hangingPunct="1">
+      <a:defRPr sz="1800" kern="1200">
+        <a:solidFill>
+          <a:schemeClr val="tx1"/>
+        </a:solidFill>
+        <a:latin typeface="+mn-lt"/>
+        <a:ea typeface="+mn-ea"/>
+        <a:cs typeface="+mn-cs"/>
+      </a:defRPr>
+    </a:lvl8pPr>
+    <a:lvl9pPr marL="3657600" algn="l" defTabSz="914400" rtl="0" eaLnBrk="1" latinLnBrk="0" hangingPunct="1">
+      <a:defRPr sz="1800" kern="1200">
+        <a:solidFill>
+          <a:schemeClr val="tx1"/>
+        </a:solidFill>
+        <a:latin typeface="+mn-lt"/>
+        <a:ea typeface="+mn-ea"/>
+        <a:cs typeface="+mn-cs"/>
+      </a:defRPr>
+    </a:lvl9pPr>
+  </p:defaultTextStyle>
 </p:presentation>
 </file>
 
 <file path=ppt/slideLayouts/slideLayout1.xml><?xml version="1.0" encoding="utf-8"?>
-<p:sldLayout xmlns:a="http://schemas.openxmlformats.org/drawingml/2006/main" xmlns:p="http://schemas.openxmlformats.org/presentationml/2006/main" xmlns:r="http://schemas.openxmlformats.org/officeDocument/2006/relationships" xmlns:p14="http://schemas.microsoft.com/office/powerpoint/2010/main" xmlns:p15="http://schemas.microsoft.com/office/powerpoint/2012/main" xmlns:mc="http://schemas.openxmlformats.org/markup-compatibility/2006" type="blank" preserve="1">
+<p:sldLayout xmlns:a="http://schemas.openxmlformats.org/drawingml/2006/main" xmlns:r="http://schemas.openxmlformats.org/officeDocument/2006/relationships" xmlns:p="http://schemas.openxmlformats.org/presentationml/2006/main" type="blank" preserve="1">
   <p:cSld name="Blank Slide">
     <p:spTree>
       <p:nvGrpSpPr>
@@ -33,11 +130,14 @@
       </p:grpSpPr>
     </p:spTree>
   </p:cSld>
+  <p:clrMapOvr>
+    <a:masterClrMapping/>
+  </p:clrMapOvr>
 </p:sldLayout>
 </file>
 
 <file path=ppt/slideLayouts/slideLayout10.xml><?xml version="1.0" encoding="utf-8"?>
-<p:sldLayout xmlns:a="http://schemas.openxmlformats.org/drawingml/2006/main" xmlns:p="http://schemas.openxmlformats.org/presentationml/2006/main" xmlns:r="http://schemas.openxmlformats.org/officeDocument/2006/relationships" xmlns:p14="http://schemas.microsoft.com/office/powerpoint/2010/main" xmlns:p15="http://schemas.microsoft.com/office/powerpoint/2012/main" xmlns:mc="http://schemas.openxmlformats.org/markup-compatibility/2006" type="objOverTx" preserve="1">
+<p:sldLayout xmlns:a="http://schemas.openxmlformats.org/drawingml/2006/main" xmlns:r="http://schemas.openxmlformats.org/officeDocument/2006/relationships" xmlns:p="http://schemas.openxmlformats.org/presentationml/2006/main" type="objOverTx" preserve="1">
   <p:cSld name="Title, Content over Content">
     <p:spTree>
       <p:nvGrpSpPr>
@@ -73,15 +173,16 @@
           </a:prstGeom>
         </p:spPr>
         <p:txBody>
-          <a:bodyPr lIns="0" rIns="0" tIns="0" bIns="0" anchor="ctr"/>
-          <a:p>
-            <a:endParaRPr b="0" lang="de-DE" sz="1800" spc="-1" strike="noStrike">
-              <a:solidFill>
-                <a:srgbClr val="000000"/>
-              </a:solidFill>
-              <a:uFill>
-                <a:solidFill>
-                  <a:srgbClr val="ffffff"/>
+          <a:bodyPr lIns="0" tIns="0" rIns="0" bIns="0" anchor="ctr"/>
+          <a:lstStyle/>
+          <a:p>
+            <a:endParaRPr lang="de-DE" sz="1800" b="0" strike="noStrike" spc="-1">
+              <a:solidFill>
+                <a:srgbClr val="000000"/>
+              </a:solidFill>
+              <a:uFill>
+                <a:solidFill>
+                  <a:srgbClr val="FFFFFF"/>
                 </a:solidFill>
               </a:uFill>
               <a:latin typeface="Calibri"/>
@@ -109,15 +210,16 @@
           </a:prstGeom>
         </p:spPr>
         <p:txBody>
-          <a:bodyPr lIns="0" rIns="0" tIns="0" bIns="0"/>
-          <a:p>
-            <a:endParaRPr b="0" lang="de-DE" sz="3200" spc="-1" strike="noStrike">
-              <a:solidFill>
-                <a:srgbClr val="000000"/>
-              </a:solidFill>
-              <a:uFill>
-                <a:solidFill>
-                  <a:srgbClr val="ffffff"/>
+          <a:bodyPr lIns="0" tIns="0" rIns="0" bIns="0"/>
+          <a:lstStyle/>
+          <a:p>
+            <a:endParaRPr lang="de-DE" sz="3200" b="0" strike="noStrike" spc="-1">
+              <a:solidFill>
+                <a:srgbClr val="000000"/>
+              </a:solidFill>
+              <a:uFill>
+                <a:solidFill>
+                  <a:srgbClr val="FFFFFF"/>
                 </a:solidFill>
               </a:uFill>
               <a:latin typeface="Calibri"/>
@@ -145,15 +247,16 @@
           </a:prstGeom>
         </p:spPr>
         <p:txBody>
-          <a:bodyPr lIns="0" rIns="0" tIns="0" bIns="0"/>
-          <a:p>
-            <a:endParaRPr b="0" lang="de-DE" sz="3200" spc="-1" strike="noStrike">
-              <a:solidFill>
-                <a:srgbClr val="000000"/>
-              </a:solidFill>
-              <a:uFill>
-                <a:solidFill>
-                  <a:srgbClr val="ffffff"/>
+          <a:bodyPr lIns="0" tIns="0" rIns="0" bIns="0"/>
+          <a:lstStyle/>
+          <a:p>
+            <a:endParaRPr lang="de-DE" sz="3200" b="0" strike="noStrike" spc="-1">
+              <a:solidFill>
+                <a:srgbClr val="000000"/>
+              </a:solidFill>
+              <a:uFill>
+                <a:solidFill>
+                  <a:srgbClr val="FFFFFF"/>
                 </a:solidFill>
               </a:uFill>
               <a:latin typeface="Calibri"/>
@@ -163,11 +266,14 @@
       </p:sp>
     </p:spTree>
   </p:cSld>
+  <p:clrMapOvr>
+    <a:masterClrMapping/>
+  </p:clrMapOvr>
 </p:sldLayout>
 </file>
 
 <file path=ppt/slideLayouts/slideLayout11.xml><?xml version="1.0" encoding="utf-8"?>
-<p:sldLayout xmlns:a="http://schemas.openxmlformats.org/drawingml/2006/main" xmlns:p="http://schemas.openxmlformats.org/presentationml/2006/main" xmlns:r="http://schemas.openxmlformats.org/officeDocument/2006/relationships" xmlns:p14="http://schemas.microsoft.com/office/powerpoint/2010/main" xmlns:p15="http://schemas.microsoft.com/office/powerpoint/2012/main" xmlns:mc="http://schemas.openxmlformats.org/markup-compatibility/2006" type="fourObj" preserve="1">
+<p:sldLayout xmlns:a="http://schemas.openxmlformats.org/drawingml/2006/main" xmlns:r="http://schemas.openxmlformats.org/officeDocument/2006/relationships" xmlns:p="http://schemas.openxmlformats.org/presentationml/2006/main" type="fourObj" preserve="1">
   <p:cSld name="Title, 4 Content">
     <p:spTree>
       <p:nvGrpSpPr>
@@ -203,15 +309,16 @@
           </a:prstGeom>
         </p:spPr>
         <p:txBody>
-          <a:bodyPr lIns="0" rIns="0" tIns="0" bIns="0" anchor="ctr"/>
-          <a:p>
-            <a:endParaRPr b="0" lang="de-DE" sz="1800" spc="-1" strike="noStrike">
-              <a:solidFill>
-                <a:srgbClr val="000000"/>
-              </a:solidFill>
-              <a:uFill>
-                <a:solidFill>
-                  <a:srgbClr val="ffffff"/>
+          <a:bodyPr lIns="0" tIns="0" rIns="0" bIns="0" anchor="ctr"/>
+          <a:lstStyle/>
+          <a:p>
+            <a:endParaRPr lang="de-DE" sz="1800" b="0" strike="noStrike" spc="-1">
+              <a:solidFill>
+                <a:srgbClr val="000000"/>
+              </a:solidFill>
+              <a:uFill>
+                <a:solidFill>
+                  <a:srgbClr val="FFFFFF"/>
                 </a:solidFill>
               </a:uFill>
               <a:latin typeface="Calibri"/>
@@ -239,15 +346,16 @@
           </a:prstGeom>
         </p:spPr>
         <p:txBody>
-          <a:bodyPr lIns="0" rIns="0" tIns="0" bIns="0"/>
-          <a:p>
-            <a:endParaRPr b="0" lang="de-DE" sz="3200" spc="-1" strike="noStrike">
-              <a:solidFill>
-                <a:srgbClr val="000000"/>
-              </a:solidFill>
-              <a:uFill>
-                <a:solidFill>
-                  <a:srgbClr val="ffffff"/>
+          <a:bodyPr lIns="0" tIns="0" rIns="0" bIns="0"/>
+          <a:lstStyle/>
+          <a:p>
+            <a:endParaRPr lang="de-DE" sz="3200" b="0" strike="noStrike" spc="-1">
+              <a:solidFill>
+                <a:srgbClr val="000000"/>
+              </a:solidFill>
+              <a:uFill>
+                <a:solidFill>
+                  <a:srgbClr val="FFFFFF"/>
                 </a:solidFill>
               </a:uFill>
               <a:latin typeface="Calibri"/>
@@ -275,15 +383,16 @@
           </a:prstGeom>
         </p:spPr>
         <p:txBody>
-          <a:bodyPr lIns="0" rIns="0" tIns="0" bIns="0"/>
-          <a:p>
-            <a:endParaRPr b="0" lang="de-DE" sz="3200" spc="-1" strike="noStrike">
-              <a:solidFill>
-                <a:srgbClr val="000000"/>
-              </a:solidFill>
-              <a:uFill>
-                <a:solidFill>
-                  <a:srgbClr val="ffffff"/>
+          <a:bodyPr lIns="0" tIns="0" rIns="0" bIns="0"/>
+          <a:lstStyle/>
+          <a:p>
+            <a:endParaRPr lang="de-DE" sz="3200" b="0" strike="noStrike" spc="-1">
+              <a:solidFill>
+                <a:srgbClr val="000000"/>
+              </a:solidFill>
+              <a:uFill>
+                <a:solidFill>
+                  <a:srgbClr val="FFFFFF"/>
                 </a:solidFill>
               </a:uFill>
               <a:latin typeface="Calibri"/>
@@ -311,15 +420,16 @@
           </a:prstGeom>
         </p:spPr>
         <p:txBody>
-          <a:bodyPr lIns="0" rIns="0" tIns="0" bIns="0"/>
-          <a:p>
-            <a:endParaRPr b="0" lang="de-DE" sz="3200" spc="-1" strike="noStrike">
-              <a:solidFill>
-                <a:srgbClr val="000000"/>
-              </a:solidFill>
-              <a:uFill>
-                <a:solidFill>
-                  <a:srgbClr val="ffffff"/>
+          <a:bodyPr lIns="0" tIns="0" rIns="0" bIns="0"/>
+          <a:lstStyle/>
+          <a:p>
+            <a:endParaRPr lang="de-DE" sz="3200" b="0" strike="noStrike" spc="-1">
+              <a:solidFill>
+                <a:srgbClr val="000000"/>
+              </a:solidFill>
+              <a:uFill>
+                <a:solidFill>
+                  <a:srgbClr val="FFFFFF"/>
                 </a:solidFill>
               </a:uFill>
               <a:latin typeface="Calibri"/>
@@ -347,15 +457,16 @@
           </a:prstGeom>
         </p:spPr>
         <p:txBody>
-          <a:bodyPr lIns="0" rIns="0" tIns="0" bIns="0"/>
-          <a:p>
-            <a:endParaRPr b="0" lang="de-DE" sz="3200" spc="-1" strike="noStrike">
-              <a:solidFill>
-                <a:srgbClr val="000000"/>
-              </a:solidFill>
-              <a:uFill>
-                <a:solidFill>
-                  <a:srgbClr val="ffffff"/>
+          <a:bodyPr lIns="0" tIns="0" rIns="0" bIns="0"/>
+          <a:lstStyle/>
+          <a:p>
+            <a:endParaRPr lang="de-DE" sz="3200" b="0" strike="noStrike" spc="-1">
+              <a:solidFill>
+                <a:srgbClr val="000000"/>
+              </a:solidFill>
+              <a:uFill>
+                <a:solidFill>
+                  <a:srgbClr val="FFFFFF"/>
                 </a:solidFill>
               </a:uFill>
               <a:latin typeface="Calibri"/>
@@ -365,11 +476,14 @@
       </p:sp>
     </p:spTree>
   </p:cSld>
+  <p:clrMapOvr>
+    <a:masterClrMapping/>
+  </p:clrMapOvr>
 </p:sldLayout>
 </file>
 
 <file path=ppt/slideLayouts/slideLayout12.xml><?xml version="1.0" encoding="utf-8"?>
-<p:sldLayout xmlns:a="http://schemas.openxmlformats.org/drawingml/2006/main" xmlns:p="http://schemas.openxmlformats.org/presentationml/2006/main" xmlns:r="http://schemas.openxmlformats.org/officeDocument/2006/relationships" xmlns:p14="http://schemas.microsoft.com/office/powerpoint/2010/main" xmlns:p15="http://schemas.microsoft.com/office/powerpoint/2012/main" xmlns:mc="http://schemas.openxmlformats.org/markup-compatibility/2006" type="blank" preserve="1">
+<p:sldLayout xmlns:a="http://schemas.openxmlformats.org/drawingml/2006/main" xmlns:r="http://schemas.openxmlformats.org/officeDocument/2006/relationships" xmlns:p="http://schemas.openxmlformats.org/presentationml/2006/main" type="blank" preserve="1">
   <p:cSld name="Title, 6 Content">
     <p:spTree>
       <p:nvGrpSpPr>
@@ -405,15 +519,16 @@
           </a:prstGeom>
         </p:spPr>
         <p:txBody>
-          <a:bodyPr lIns="0" rIns="0" tIns="0" bIns="0" anchor="ctr"/>
-          <a:p>
-            <a:endParaRPr b="0" lang="de-DE" sz="1800" spc="-1" strike="noStrike">
-              <a:solidFill>
-                <a:srgbClr val="000000"/>
-              </a:solidFill>
-              <a:uFill>
-                <a:solidFill>
-                  <a:srgbClr val="ffffff"/>
+          <a:bodyPr lIns="0" tIns="0" rIns="0" bIns="0" anchor="ctr"/>
+          <a:lstStyle/>
+          <a:p>
+            <a:endParaRPr lang="de-DE" sz="1800" b="0" strike="noStrike" spc="-1">
+              <a:solidFill>
+                <a:srgbClr val="000000"/>
+              </a:solidFill>
+              <a:uFill>
+                <a:solidFill>
+                  <a:srgbClr val="FFFFFF"/>
                 </a:solidFill>
               </a:uFill>
               <a:latin typeface="Calibri"/>
@@ -441,15 +556,16 @@
           </a:prstGeom>
         </p:spPr>
         <p:txBody>
-          <a:bodyPr lIns="0" rIns="0" tIns="0" bIns="0"/>
-          <a:p>
-            <a:endParaRPr b="0" lang="de-DE" sz="3200" spc="-1" strike="noStrike">
-              <a:solidFill>
-                <a:srgbClr val="000000"/>
-              </a:solidFill>
-              <a:uFill>
-                <a:solidFill>
-                  <a:srgbClr val="ffffff"/>
+          <a:bodyPr lIns="0" tIns="0" rIns="0" bIns="0"/>
+          <a:lstStyle/>
+          <a:p>
+            <a:endParaRPr lang="de-DE" sz="3200" b="0" strike="noStrike" spc="-1">
+              <a:solidFill>
+                <a:srgbClr val="000000"/>
+              </a:solidFill>
+              <a:uFill>
+                <a:solidFill>
+                  <a:srgbClr val="FFFFFF"/>
                 </a:solidFill>
               </a:uFill>
               <a:latin typeface="Calibri"/>
@@ -477,15 +593,16 @@
           </a:prstGeom>
         </p:spPr>
         <p:txBody>
-          <a:bodyPr lIns="0" rIns="0" tIns="0" bIns="0"/>
-          <a:p>
-            <a:endParaRPr b="0" lang="de-DE" sz="3200" spc="-1" strike="noStrike">
-              <a:solidFill>
-                <a:srgbClr val="000000"/>
-              </a:solidFill>
-              <a:uFill>
-                <a:solidFill>
-                  <a:srgbClr val="ffffff"/>
+          <a:bodyPr lIns="0" tIns="0" rIns="0" bIns="0"/>
+          <a:lstStyle/>
+          <a:p>
+            <a:endParaRPr lang="de-DE" sz="3200" b="0" strike="noStrike" spc="-1">
+              <a:solidFill>
+                <a:srgbClr val="000000"/>
+              </a:solidFill>
+              <a:uFill>
+                <a:solidFill>
+                  <a:srgbClr val="FFFFFF"/>
                 </a:solidFill>
               </a:uFill>
               <a:latin typeface="Calibri"/>
@@ -495,7 +612,7 @@
       </p:sp>
       <p:pic>
         <p:nvPicPr>
-          <p:cNvPr id="37" name="" descr=""/>
+          <p:cNvPr id="37" name="Grafik 36"/>
           <p:cNvPicPr/>
           <p:nvPr/>
         </p:nvPicPr>
@@ -518,12 +635,12 @@
       </p:pic>
       <p:pic>
         <p:nvPicPr>
-          <p:cNvPr id="38" name="" descr=""/>
+          <p:cNvPr id="38" name="Grafik 37"/>
           <p:cNvPicPr/>
           <p:nvPr/>
         </p:nvPicPr>
         <p:blipFill>
-          <a:blip r:embed="rId3"/>
+          <a:blip r:embed="rId2"/>
           <a:stretch/>
         </p:blipFill>
         <p:spPr>
@@ -541,11 +658,14 @@
       </p:pic>
     </p:spTree>
   </p:cSld>
+  <p:clrMapOvr>
+    <a:masterClrMapping/>
+  </p:clrMapOvr>
 </p:sldLayout>
 </file>
 
 <file path=ppt/slideLayouts/slideLayout13.xml><?xml version="1.0" encoding="utf-8"?>
-<p:sldLayout xmlns:a="http://schemas.openxmlformats.org/drawingml/2006/main" xmlns:p="http://schemas.openxmlformats.org/presentationml/2006/main" xmlns:r="http://schemas.openxmlformats.org/officeDocument/2006/relationships" xmlns:p14="http://schemas.microsoft.com/office/powerpoint/2010/main" xmlns:p15="http://schemas.microsoft.com/office/powerpoint/2012/main" xmlns:mc="http://schemas.openxmlformats.org/markup-compatibility/2006" type="blank" preserve="1">
+<p:sldLayout xmlns:a="http://schemas.openxmlformats.org/drawingml/2006/main" xmlns:r="http://schemas.openxmlformats.org/officeDocument/2006/relationships" xmlns:p="http://schemas.openxmlformats.org/presentationml/2006/main" type="blank" preserve="1">
   <p:cSld name="Blank Slide">
     <p:spTree>
       <p:nvGrpSpPr>
@@ -563,11 +683,14 @@
       </p:grpSpPr>
     </p:spTree>
   </p:cSld>
+  <p:clrMapOvr>
+    <a:masterClrMapping/>
+  </p:clrMapOvr>
 </p:sldLayout>
 </file>
 
 <file path=ppt/slideLayouts/slideLayout14.xml><?xml version="1.0" encoding="utf-8"?>
-<p:sldLayout xmlns:a="http://schemas.openxmlformats.org/drawingml/2006/main" xmlns:p="http://schemas.openxmlformats.org/presentationml/2006/main" xmlns:r="http://schemas.openxmlformats.org/officeDocument/2006/relationships" xmlns:p14="http://schemas.microsoft.com/office/powerpoint/2010/main" xmlns:p15="http://schemas.microsoft.com/office/powerpoint/2012/main" xmlns:mc="http://schemas.openxmlformats.org/markup-compatibility/2006" type="tx" preserve="1">
+<p:sldLayout xmlns:a="http://schemas.openxmlformats.org/drawingml/2006/main" xmlns:r="http://schemas.openxmlformats.org/officeDocument/2006/relationships" xmlns:p="http://schemas.openxmlformats.org/presentationml/2006/main" type="tx" preserve="1">
   <p:cSld name="Title Slide">
     <p:spTree>
       <p:nvGrpSpPr>
@@ -603,15 +726,16 @@
           </a:prstGeom>
         </p:spPr>
         <p:txBody>
-          <a:bodyPr lIns="0" rIns="0" tIns="0" bIns="0" anchor="ctr"/>
-          <a:p>
-            <a:endParaRPr b="0" lang="de-DE" sz="1800" spc="-1" strike="noStrike">
-              <a:solidFill>
-                <a:srgbClr val="000000"/>
-              </a:solidFill>
-              <a:uFill>
-                <a:solidFill>
-                  <a:srgbClr val="ffffff"/>
+          <a:bodyPr lIns="0" tIns="0" rIns="0" bIns="0" anchor="ctr"/>
+          <a:lstStyle/>
+          <a:p>
+            <a:endParaRPr lang="de-DE" sz="1800" b="0" strike="noStrike" spc="-1">
+              <a:solidFill>
+                <a:srgbClr val="000000"/>
+              </a:solidFill>
+              <a:uFill>
+                <a:solidFill>
+                  <a:srgbClr val="FFFFFF"/>
                 </a:solidFill>
               </a:uFill>
               <a:latin typeface="Calibri"/>
@@ -639,16 +763,17 @@
           </a:prstGeom>
         </p:spPr>
         <p:txBody>
-          <a:bodyPr lIns="0" rIns="0" tIns="0" bIns="0" anchor="ctr"/>
+          <a:bodyPr lIns="0" tIns="0" rIns="0" bIns="0" anchor="ctr"/>
+          <a:lstStyle/>
           <a:p>
             <a:pPr algn="ctr"/>
-            <a:endParaRPr b="0" lang="en-US" sz="3200" spc="-1" strike="noStrike">
-              <a:solidFill>
-                <a:srgbClr val="000000"/>
-              </a:solidFill>
-              <a:uFill>
-                <a:solidFill>
-                  <a:srgbClr val="ffffff"/>
+            <a:endParaRPr lang="en-US" sz="3200" b="0" strike="noStrike" spc="-1">
+              <a:solidFill>
+                <a:srgbClr val="000000"/>
+              </a:solidFill>
+              <a:uFill>
+                <a:solidFill>
+                  <a:srgbClr val="FFFFFF"/>
                 </a:solidFill>
               </a:uFill>
               <a:latin typeface="Arial"/>
@@ -658,11 +783,14 @@
       </p:sp>
     </p:spTree>
   </p:cSld>
+  <p:clrMapOvr>
+    <a:masterClrMapping/>
+  </p:clrMapOvr>
 </p:sldLayout>
 </file>
 
 <file path=ppt/slideLayouts/slideLayout15.xml><?xml version="1.0" encoding="utf-8"?>
-<p:sldLayout xmlns:a="http://schemas.openxmlformats.org/drawingml/2006/main" xmlns:p="http://schemas.openxmlformats.org/presentationml/2006/main" xmlns:r="http://schemas.openxmlformats.org/officeDocument/2006/relationships" xmlns:p14="http://schemas.microsoft.com/office/powerpoint/2010/main" xmlns:p15="http://schemas.microsoft.com/office/powerpoint/2012/main" xmlns:mc="http://schemas.openxmlformats.org/markup-compatibility/2006" type="obj" preserve="1">
+<p:sldLayout xmlns:a="http://schemas.openxmlformats.org/drawingml/2006/main" xmlns:r="http://schemas.openxmlformats.org/officeDocument/2006/relationships" xmlns:p="http://schemas.openxmlformats.org/presentationml/2006/main" type="obj" preserve="1">
   <p:cSld name="Title, Content">
     <p:spTree>
       <p:nvGrpSpPr>
@@ -698,15 +826,16 @@
           </a:prstGeom>
         </p:spPr>
         <p:txBody>
-          <a:bodyPr lIns="0" rIns="0" tIns="0" bIns="0" anchor="ctr"/>
-          <a:p>
-            <a:endParaRPr b="0" lang="de-DE" sz="1800" spc="-1" strike="noStrike">
-              <a:solidFill>
-                <a:srgbClr val="000000"/>
-              </a:solidFill>
-              <a:uFill>
-                <a:solidFill>
-                  <a:srgbClr val="ffffff"/>
+          <a:bodyPr lIns="0" tIns="0" rIns="0" bIns="0" anchor="ctr"/>
+          <a:lstStyle/>
+          <a:p>
+            <a:endParaRPr lang="de-DE" sz="1800" b="0" strike="noStrike" spc="-1">
+              <a:solidFill>
+                <a:srgbClr val="000000"/>
+              </a:solidFill>
+              <a:uFill>
+                <a:solidFill>
+                  <a:srgbClr val="FFFFFF"/>
                 </a:solidFill>
               </a:uFill>
               <a:latin typeface="Calibri"/>
@@ -734,15 +863,16 @@
           </a:prstGeom>
         </p:spPr>
         <p:txBody>
-          <a:bodyPr lIns="0" rIns="0" tIns="0" bIns="0"/>
-          <a:p>
-            <a:endParaRPr b="0" lang="de-DE" sz="3200" spc="-1" strike="noStrike">
-              <a:solidFill>
-                <a:srgbClr val="000000"/>
-              </a:solidFill>
-              <a:uFill>
-                <a:solidFill>
-                  <a:srgbClr val="ffffff"/>
+          <a:bodyPr lIns="0" tIns="0" rIns="0" bIns="0"/>
+          <a:lstStyle/>
+          <a:p>
+            <a:endParaRPr lang="de-DE" sz="3200" b="0" strike="noStrike" spc="-1">
+              <a:solidFill>
+                <a:srgbClr val="000000"/>
+              </a:solidFill>
+              <a:uFill>
+                <a:solidFill>
+                  <a:srgbClr val="FFFFFF"/>
                 </a:solidFill>
               </a:uFill>
               <a:latin typeface="Calibri"/>
@@ -752,11 +882,14 @@
       </p:sp>
     </p:spTree>
   </p:cSld>
+  <p:clrMapOvr>
+    <a:masterClrMapping/>
+  </p:clrMapOvr>
 </p:sldLayout>
 </file>
 
 <file path=ppt/slideLayouts/slideLayout16.xml><?xml version="1.0" encoding="utf-8"?>
-<p:sldLayout xmlns:a="http://schemas.openxmlformats.org/drawingml/2006/main" xmlns:p="http://schemas.openxmlformats.org/presentationml/2006/main" xmlns:r="http://schemas.openxmlformats.org/officeDocument/2006/relationships" xmlns:p14="http://schemas.microsoft.com/office/powerpoint/2010/main" xmlns:p15="http://schemas.microsoft.com/office/powerpoint/2012/main" xmlns:mc="http://schemas.openxmlformats.org/markup-compatibility/2006" type="twoObj" preserve="1">
+<p:sldLayout xmlns:a="http://schemas.openxmlformats.org/drawingml/2006/main" xmlns:r="http://schemas.openxmlformats.org/officeDocument/2006/relationships" xmlns:p="http://schemas.openxmlformats.org/presentationml/2006/main" type="twoObj" preserve="1">
   <p:cSld name="Title, 2 Content">
     <p:spTree>
       <p:nvGrpSpPr>
@@ -792,15 +925,16 @@
           </a:prstGeom>
         </p:spPr>
         <p:txBody>
-          <a:bodyPr lIns="0" rIns="0" tIns="0" bIns="0" anchor="ctr"/>
-          <a:p>
-            <a:endParaRPr b="0" lang="de-DE" sz="1800" spc="-1" strike="noStrike">
-              <a:solidFill>
-                <a:srgbClr val="000000"/>
-              </a:solidFill>
-              <a:uFill>
-                <a:solidFill>
-                  <a:srgbClr val="ffffff"/>
+          <a:bodyPr lIns="0" tIns="0" rIns="0" bIns="0" anchor="ctr"/>
+          <a:lstStyle/>
+          <a:p>
+            <a:endParaRPr lang="de-DE" sz="1800" b="0" strike="noStrike" spc="-1">
+              <a:solidFill>
+                <a:srgbClr val="000000"/>
+              </a:solidFill>
+              <a:uFill>
+                <a:solidFill>
+                  <a:srgbClr val="FFFFFF"/>
                 </a:solidFill>
               </a:uFill>
               <a:latin typeface="Calibri"/>
@@ -828,15 +962,16 @@
           </a:prstGeom>
         </p:spPr>
         <p:txBody>
-          <a:bodyPr lIns="0" rIns="0" tIns="0" bIns="0"/>
-          <a:p>
-            <a:endParaRPr b="0" lang="de-DE" sz="3200" spc="-1" strike="noStrike">
-              <a:solidFill>
-                <a:srgbClr val="000000"/>
-              </a:solidFill>
-              <a:uFill>
-                <a:solidFill>
-                  <a:srgbClr val="ffffff"/>
+          <a:bodyPr lIns="0" tIns="0" rIns="0" bIns="0"/>
+          <a:lstStyle/>
+          <a:p>
+            <a:endParaRPr lang="de-DE" sz="3200" b="0" strike="noStrike" spc="-1">
+              <a:solidFill>
+                <a:srgbClr val="000000"/>
+              </a:solidFill>
+              <a:uFill>
+                <a:solidFill>
+                  <a:srgbClr val="FFFFFF"/>
                 </a:solidFill>
               </a:uFill>
               <a:latin typeface="Calibri"/>
@@ -864,15 +999,16 @@
           </a:prstGeom>
         </p:spPr>
         <p:txBody>
-          <a:bodyPr lIns="0" rIns="0" tIns="0" bIns="0"/>
-          <a:p>
-            <a:endParaRPr b="0" lang="de-DE" sz="3200" spc="-1" strike="noStrike">
-              <a:solidFill>
-                <a:srgbClr val="000000"/>
-              </a:solidFill>
-              <a:uFill>
-                <a:solidFill>
-                  <a:srgbClr val="ffffff"/>
+          <a:bodyPr lIns="0" tIns="0" rIns="0" bIns="0"/>
+          <a:lstStyle/>
+          <a:p>
+            <a:endParaRPr lang="de-DE" sz="3200" b="0" strike="noStrike" spc="-1">
+              <a:solidFill>
+                <a:srgbClr val="000000"/>
+              </a:solidFill>
+              <a:uFill>
+                <a:solidFill>
+                  <a:srgbClr val="FFFFFF"/>
                 </a:solidFill>
               </a:uFill>
               <a:latin typeface="Calibri"/>
@@ -882,11 +1018,14 @@
       </p:sp>
     </p:spTree>
   </p:cSld>
+  <p:clrMapOvr>
+    <a:masterClrMapping/>
+  </p:clrMapOvr>
 </p:sldLayout>
 </file>
 
 <file path=ppt/slideLayouts/slideLayout17.xml><?xml version="1.0" encoding="utf-8"?>
-<p:sldLayout xmlns:a="http://schemas.openxmlformats.org/drawingml/2006/main" xmlns:p="http://schemas.openxmlformats.org/presentationml/2006/main" xmlns:r="http://schemas.openxmlformats.org/officeDocument/2006/relationships" xmlns:p14="http://schemas.microsoft.com/office/powerpoint/2010/main" xmlns:p15="http://schemas.microsoft.com/office/powerpoint/2012/main" xmlns:mc="http://schemas.openxmlformats.org/markup-compatibility/2006" type="titleOnly" preserve="1">
+<p:sldLayout xmlns:a="http://schemas.openxmlformats.org/drawingml/2006/main" xmlns:r="http://schemas.openxmlformats.org/officeDocument/2006/relationships" xmlns:p="http://schemas.openxmlformats.org/presentationml/2006/main" type="titleOnly" preserve="1">
   <p:cSld name="Title Only">
     <p:spTree>
       <p:nvGrpSpPr>
@@ -922,15 +1061,16 @@
           </a:prstGeom>
         </p:spPr>
         <p:txBody>
-          <a:bodyPr lIns="0" rIns="0" tIns="0" bIns="0" anchor="ctr"/>
-          <a:p>
-            <a:endParaRPr b="0" lang="de-DE" sz="1800" spc="-1" strike="noStrike">
-              <a:solidFill>
-                <a:srgbClr val="000000"/>
-              </a:solidFill>
-              <a:uFill>
-                <a:solidFill>
-                  <a:srgbClr val="ffffff"/>
+          <a:bodyPr lIns="0" tIns="0" rIns="0" bIns="0" anchor="ctr"/>
+          <a:lstStyle/>
+          <a:p>
+            <a:endParaRPr lang="de-DE" sz="1800" b="0" strike="noStrike" spc="-1">
+              <a:solidFill>
+                <a:srgbClr val="000000"/>
+              </a:solidFill>
+              <a:uFill>
+                <a:solidFill>
+                  <a:srgbClr val="FFFFFF"/>
                 </a:solidFill>
               </a:uFill>
               <a:latin typeface="Calibri"/>
@@ -940,11 +1080,14 @@
       </p:sp>
     </p:spTree>
   </p:cSld>
+  <p:clrMapOvr>
+    <a:masterClrMapping/>
+  </p:clrMapOvr>
 </p:sldLayout>
 </file>
 
 <file path=ppt/slideLayouts/slideLayout18.xml><?xml version="1.0" encoding="utf-8"?>
-<p:sldLayout xmlns:a="http://schemas.openxmlformats.org/drawingml/2006/main" xmlns:p="http://schemas.openxmlformats.org/presentationml/2006/main" xmlns:r="http://schemas.openxmlformats.org/officeDocument/2006/relationships" xmlns:p14="http://schemas.microsoft.com/office/powerpoint/2010/main" xmlns:p15="http://schemas.microsoft.com/office/powerpoint/2012/main" xmlns:mc="http://schemas.openxmlformats.org/markup-compatibility/2006" type="objOnly" preserve="1">
+<p:sldLayout xmlns:a="http://schemas.openxmlformats.org/drawingml/2006/main" xmlns:r="http://schemas.openxmlformats.org/officeDocument/2006/relationships" xmlns:p="http://schemas.openxmlformats.org/presentationml/2006/main" type="objOnly" preserve="1">
   <p:cSld name="Centered Text">
     <p:spTree>
       <p:nvGrpSpPr>
@@ -980,16 +1123,17 @@
           </a:prstGeom>
         </p:spPr>
         <p:txBody>
-          <a:bodyPr lIns="0" rIns="0" tIns="0" bIns="0" anchor="ctr"/>
+          <a:bodyPr lIns="0" tIns="0" rIns="0" bIns="0" anchor="ctr"/>
+          <a:lstStyle/>
           <a:p>
             <a:pPr algn="ctr"/>
-            <a:endParaRPr b="0" lang="en-US" sz="3200" spc="-1" strike="noStrike">
-              <a:solidFill>
-                <a:srgbClr val="000000"/>
-              </a:solidFill>
-              <a:uFill>
-                <a:solidFill>
-                  <a:srgbClr val="ffffff"/>
+            <a:endParaRPr lang="en-US" sz="3200" b="0" strike="noStrike" spc="-1">
+              <a:solidFill>
+                <a:srgbClr val="000000"/>
+              </a:solidFill>
+              <a:uFill>
+                <a:solidFill>
+                  <a:srgbClr val="FFFFFF"/>
                 </a:solidFill>
               </a:uFill>
               <a:latin typeface="Arial"/>
@@ -999,11 +1143,14 @@
       </p:sp>
     </p:spTree>
   </p:cSld>
+  <p:clrMapOvr>
+    <a:masterClrMapping/>
+  </p:clrMapOvr>
 </p:sldLayout>
 </file>
 
 <file path=ppt/slideLayouts/slideLayout19.xml><?xml version="1.0" encoding="utf-8"?>
-<p:sldLayout xmlns:a="http://schemas.openxmlformats.org/drawingml/2006/main" xmlns:p="http://schemas.openxmlformats.org/presentationml/2006/main" xmlns:r="http://schemas.openxmlformats.org/officeDocument/2006/relationships" xmlns:p14="http://schemas.microsoft.com/office/powerpoint/2010/main" xmlns:p15="http://schemas.microsoft.com/office/powerpoint/2012/main" xmlns:mc="http://schemas.openxmlformats.org/markup-compatibility/2006" type="twoObjAndObj" preserve="1">
+<p:sldLayout xmlns:a="http://schemas.openxmlformats.org/drawingml/2006/main" xmlns:r="http://schemas.openxmlformats.org/officeDocument/2006/relationships" xmlns:p="http://schemas.openxmlformats.org/presentationml/2006/main" type="twoObjAndObj" preserve="1">
   <p:cSld name="Title, 2 Content and Content">
     <p:spTree>
       <p:nvGrpSpPr>
@@ -1039,15 +1186,16 @@
           </a:prstGeom>
         </p:spPr>
         <p:txBody>
-          <a:bodyPr lIns="0" rIns="0" tIns="0" bIns="0" anchor="ctr"/>
-          <a:p>
-            <a:endParaRPr b="0" lang="de-DE" sz="1800" spc="-1" strike="noStrike">
-              <a:solidFill>
-                <a:srgbClr val="000000"/>
-              </a:solidFill>
-              <a:uFill>
-                <a:solidFill>
-                  <a:srgbClr val="ffffff"/>
+          <a:bodyPr lIns="0" tIns="0" rIns="0" bIns="0" anchor="ctr"/>
+          <a:lstStyle/>
+          <a:p>
+            <a:endParaRPr lang="de-DE" sz="1800" b="0" strike="noStrike" spc="-1">
+              <a:solidFill>
+                <a:srgbClr val="000000"/>
+              </a:solidFill>
+              <a:uFill>
+                <a:solidFill>
+                  <a:srgbClr val="FFFFFF"/>
                 </a:solidFill>
               </a:uFill>
               <a:latin typeface="Calibri"/>
@@ -1075,15 +1223,16 @@
           </a:prstGeom>
         </p:spPr>
         <p:txBody>
-          <a:bodyPr lIns="0" rIns="0" tIns="0" bIns="0"/>
-          <a:p>
-            <a:endParaRPr b="0" lang="de-DE" sz="3200" spc="-1" strike="noStrike">
-              <a:solidFill>
-                <a:srgbClr val="000000"/>
-              </a:solidFill>
-              <a:uFill>
-                <a:solidFill>
-                  <a:srgbClr val="ffffff"/>
+          <a:bodyPr lIns="0" tIns="0" rIns="0" bIns="0"/>
+          <a:lstStyle/>
+          <a:p>
+            <a:endParaRPr lang="de-DE" sz="3200" b="0" strike="noStrike" spc="-1">
+              <a:solidFill>
+                <a:srgbClr val="000000"/>
+              </a:solidFill>
+              <a:uFill>
+                <a:solidFill>
+                  <a:srgbClr val="FFFFFF"/>
                 </a:solidFill>
               </a:uFill>
               <a:latin typeface="Calibri"/>
@@ -1111,15 +1260,16 @@
           </a:prstGeom>
         </p:spPr>
         <p:txBody>
-          <a:bodyPr lIns="0" rIns="0" tIns="0" bIns="0"/>
-          <a:p>
-            <a:endParaRPr b="0" lang="de-DE" sz="3200" spc="-1" strike="noStrike">
-              <a:solidFill>
-                <a:srgbClr val="000000"/>
-              </a:solidFill>
-              <a:uFill>
-                <a:solidFill>
-                  <a:srgbClr val="ffffff"/>
+          <a:bodyPr lIns="0" tIns="0" rIns="0" bIns="0"/>
+          <a:lstStyle/>
+          <a:p>
+            <a:endParaRPr lang="de-DE" sz="3200" b="0" strike="noStrike" spc="-1">
+              <a:solidFill>
+                <a:srgbClr val="000000"/>
+              </a:solidFill>
+              <a:uFill>
+                <a:solidFill>
+                  <a:srgbClr val="FFFFFF"/>
                 </a:solidFill>
               </a:uFill>
               <a:latin typeface="Calibri"/>
@@ -1147,15 +1297,16 @@
           </a:prstGeom>
         </p:spPr>
         <p:txBody>
-          <a:bodyPr lIns="0" rIns="0" tIns="0" bIns="0"/>
-          <a:p>
-            <a:endParaRPr b="0" lang="de-DE" sz="3200" spc="-1" strike="noStrike">
-              <a:solidFill>
-                <a:srgbClr val="000000"/>
-              </a:solidFill>
-              <a:uFill>
-                <a:solidFill>
-                  <a:srgbClr val="ffffff"/>
+          <a:bodyPr lIns="0" tIns="0" rIns="0" bIns="0"/>
+          <a:lstStyle/>
+          <a:p>
+            <a:endParaRPr lang="de-DE" sz="3200" b="0" strike="noStrike" spc="-1">
+              <a:solidFill>
+                <a:srgbClr val="000000"/>
+              </a:solidFill>
+              <a:uFill>
+                <a:solidFill>
+                  <a:srgbClr val="FFFFFF"/>
                 </a:solidFill>
               </a:uFill>
               <a:latin typeface="Calibri"/>
@@ -1165,11 +1316,14 @@
       </p:sp>
     </p:spTree>
   </p:cSld>
+  <p:clrMapOvr>
+    <a:masterClrMapping/>
+  </p:clrMapOvr>
 </p:sldLayout>
 </file>
 
 <file path=ppt/slideLayouts/slideLayout2.xml><?xml version="1.0" encoding="utf-8"?>
-<p:sldLayout xmlns:a="http://schemas.openxmlformats.org/drawingml/2006/main" xmlns:p="http://schemas.openxmlformats.org/presentationml/2006/main" xmlns:r="http://schemas.openxmlformats.org/officeDocument/2006/relationships" xmlns:p14="http://schemas.microsoft.com/office/powerpoint/2010/main" xmlns:p15="http://schemas.microsoft.com/office/powerpoint/2012/main" xmlns:mc="http://schemas.openxmlformats.org/markup-compatibility/2006" type="tx" preserve="1">
+<p:sldLayout xmlns:a="http://schemas.openxmlformats.org/drawingml/2006/main" xmlns:r="http://schemas.openxmlformats.org/officeDocument/2006/relationships" xmlns:p="http://schemas.openxmlformats.org/presentationml/2006/main" type="tx" preserve="1">
   <p:cSld name="Title Slide">
     <p:spTree>
       <p:nvGrpSpPr>
@@ -1205,15 +1359,16 @@
           </a:prstGeom>
         </p:spPr>
         <p:txBody>
-          <a:bodyPr lIns="0" rIns="0" tIns="0" bIns="0" anchor="ctr"/>
-          <a:p>
-            <a:endParaRPr b="0" lang="de-DE" sz="1800" spc="-1" strike="noStrike">
-              <a:solidFill>
-                <a:srgbClr val="000000"/>
-              </a:solidFill>
-              <a:uFill>
-                <a:solidFill>
-                  <a:srgbClr val="ffffff"/>
+          <a:bodyPr lIns="0" tIns="0" rIns="0" bIns="0" anchor="ctr"/>
+          <a:lstStyle/>
+          <a:p>
+            <a:endParaRPr lang="de-DE" sz="1800" b="0" strike="noStrike" spc="-1">
+              <a:solidFill>
+                <a:srgbClr val="000000"/>
+              </a:solidFill>
+              <a:uFill>
+                <a:solidFill>
+                  <a:srgbClr val="FFFFFF"/>
                 </a:solidFill>
               </a:uFill>
               <a:latin typeface="Calibri"/>
@@ -1241,16 +1396,17 @@
           </a:prstGeom>
         </p:spPr>
         <p:txBody>
-          <a:bodyPr lIns="0" rIns="0" tIns="0" bIns="0" anchor="ctr"/>
+          <a:bodyPr lIns="0" tIns="0" rIns="0" bIns="0" anchor="ctr"/>
+          <a:lstStyle/>
           <a:p>
             <a:pPr algn="ctr"/>
-            <a:endParaRPr b="0" lang="en-US" sz="3200" spc="-1" strike="noStrike">
-              <a:solidFill>
-                <a:srgbClr val="000000"/>
-              </a:solidFill>
-              <a:uFill>
-                <a:solidFill>
-                  <a:srgbClr val="ffffff"/>
+            <a:endParaRPr lang="en-US" sz="3200" b="0" strike="noStrike" spc="-1">
+              <a:solidFill>
+                <a:srgbClr val="000000"/>
+              </a:solidFill>
+              <a:uFill>
+                <a:solidFill>
+                  <a:srgbClr val="FFFFFF"/>
                 </a:solidFill>
               </a:uFill>
               <a:latin typeface="Arial"/>
@@ -1260,11 +1416,14 @@
       </p:sp>
     </p:spTree>
   </p:cSld>
+  <p:clrMapOvr>
+    <a:masterClrMapping/>
+  </p:clrMapOvr>
 </p:sldLayout>
 </file>
 
 <file path=ppt/slideLayouts/slideLayout20.xml><?xml version="1.0" encoding="utf-8"?>
-<p:sldLayout xmlns:a="http://schemas.openxmlformats.org/drawingml/2006/main" xmlns:p="http://schemas.openxmlformats.org/presentationml/2006/main" xmlns:r="http://schemas.openxmlformats.org/officeDocument/2006/relationships" xmlns:p14="http://schemas.microsoft.com/office/powerpoint/2010/main" xmlns:p15="http://schemas.microsoft.com/office/powerpoint/2012/main" xmlns:mc="http://schemas.openxmlformats.org/markup-compatibility/2006" type="objAndTwoObj" preserve="1">
+<p:sldLayout xmlns:a="http://schemas.openxmlformats.org/drawingml/2006/main" xmlns:r="http://schemas.openxmlformats.org/officeDocument/2006/relationships" xmlns:p="http://schemas.openxmlformats.org/presentationml/2006/main" type="objAndTwoObj" preserve="1">
   <p:cSld name="Title Content and 2 Content">
     <p:spTree>
       <p:nvGrpSpPr>
@@ -1300,15 +1459,16 @@
           </a:prstGeom>
         </p:spPr>
         <p:txBody>
-          <a:bodyPr lIns="0" rIns="0" tIns="0" bIns="0" anchor="ctr"/>
-          <a:p>
-            <a:endParaRPr b="0" lang="de-DE" sz="1800" spc="-1" strike="noStrike">
-              <a:solidFill>
-                <a:srgbClr val="000000"/>
-              </a:solidFill>
-              <a:uFill>
-                <a:solidFill>
-                  <a:srgbClr val="ffffff"/>
+          <a:bodyPr lIns="0" tIns="0" rIns="0" bIns="0" anchor="ctr"/>
+          <a:lstStyle/>
+          <a:p>
+            <a:endParaRPr lang="de-DE" sz="1800" b="0" strike="noStrike" spc="-1">
+              <a:solidFill>
+                <a:srgbClr val="000000"/>
+              </a:solidFill>
+              <a:uFill>
+                <a:solidFill>
+                  <a:srgbClr val="FFFFFF"/>
                 </a:solidFill>
               </a:uFill>
               <a:latin typeface="Calibri"/>
@@ -1336,15 +1496,16 @@
           </a:prstGeom>
         </p:spPr>
         <p:txBody>
-          <a:bodyPr lIns="0" rIns="0" tIns="0" bIns="0"/>
-          <a:p>
-            <a:endParaRPr b="0" lang="de-DE" sz="3200" spc="-1" strike="noStrike">
-              <a:solidFill>
-                <a:srgbClr val="000000"/>
-              </a:solidFill>
-              <a:uFill>
-                <a:solidFill>
-                  <a:srgbClr val="ffffff"/>
+          <a:bodyPr lIns="0" tIns="0" rIns="0" bIns="0"/>
+          <a:lstStyle/>
+          <a:p>
+            <a:endParaRPr lang="de-DE" sz="3200" b="0" strike="noStrike" spc="-1">
+              <a:solidFill>
+                <a:srgbClr val="000000"/>
+              </a:solidFill>
+              <a:uFill>
+                <a:solidFill>
+                  <a:srgbClr val="FFFFFF"/>
                 </a:solidFill>
               </a:uFill>
               <a:latin typeface="Calibri"/>
@@ -1372,15 +1533,16 @@
           </a:prstGeom>
         </p:spPr>
         <p:txBody>
-          <a:bodyPr lIns="0" rIns="0" tIns="0" bIns="0"/>
-          <a:p>
-            <a:endParaRPr b="0" lang="de-DE" sz="3200" spc="-1" strike="noStrike">
-              <a:solidFill>
-                <a:srgbClr val="000000"/>
-              </a:solidFill>
-              <a:uFill>
-                <a:solidFill>
-                  <a:srgbClr val="ffffff"/>
+          <a:bodyPr lIns="0" tIns="0" rIns="0" bIns="0"/>
+          <a:lstStyle/>
+          <a:p>
+            <a:endParaRPr lang="de-DE" sz="3200" b="0" strike="noStrike" spc="-1">
+              <a:solidFill>
+                <a:srgbClr val="000000"/>
+              </a:solidFill>
+              <a:uFill>
+                <a:solidFill>
+                  <a:srgbClr val="FFFFFF"/>
                 </a:solidFill>
               </a:uFill>
               <a:latin typeface="Calibri"/>
@@ -1408,15 +1570,16 @@
           </a:prstGeom>
         </p:spPr>
         <p:txBody>
-          <a:bodyPr lIns="0" rIns="0" tIns="0" bIns="0"/>
-          <a:p>
-            <a:endParaRPr b="0" lang="de-DE" sz="3200" spc="-1" strike="noStrike">
-              <a:solidFill>
-                <a:srgbClr val="000000"/>
-              </a:solidFill>
-              <a:uFill>
-                <a:solidFill>
-                  <a:srgbClr val="ffffff"/>
+          <a:bodyPr lIns="0" tIns="0" rIns="0" bIns="0"/>
+          <a:lstStyle/>
+          <a:p>
+            <a:endParaRPr lang="de-DE" sz="3200" b="0" strike="noStrike" spc="-1">
+              <a:solidFill>
+                <a:srgbClr val="000000"/>
+              </a:solidFill>
+              <a:uFill>
+                <a:solidFill>
+                  <a:srgbClr val="FFFFFF"/>
                 </a:solidFill>
               </a:uFill>
               <a:latin typeface="Calibri"/>
@@ -1426,11 +1589,14 @@
       </p:sp>
     </p:spTree>
   </p:cSld>
+  <p:clrMapOvr>
+    <a:masterClrMapping/>
+  </p:clrMapOvr>
 </p:sldLayout>
 </file>
 
 <file path=ppt/slideLayouts/slideLayout21.xml><?xml version="1.0" encoding="utf-8"?>
-<p:sldLayout xmlns:a="http://schemas.openxmlformats.org/drawingml/2006/main" xmlns:p="http://schemas.openxmlformats.org/presentationml/2006/main" xmlns:r="http://schemas.openxmlformats.org/officeDocument/2006/relationships" xmlns:p14="http://schemas.microsoft.com/office/powerpoint/2010/main" xmlns:p15="http://schemas.microsoft.com/office/powerpoint/2012/main" xmlns:mc="http://schemas.openxmlformats.org/markup-compatibility/2006" type="twoObjOverTx" preserve="1">
+<p:sldLayout xmlns:a="http://schemas.openxmlformats.org/drawingml/2006/main" xmlns:r="http://schemas.openxmlformats.org/officeDocument/2006/relationships" xmlns:p="http://schemas.openxmlformats.org/presentationml/2006/main" type="twoObjOverTx" preserve="1">
   <p:cSld name="Title, 2 Content over Content">
     <p:spTree>
       <p:nvGrpSpPr>
@@ -1466,15 +1632,16 @@
           </a:prstGeom>
         </p:spPr>
         <p:txBody>
-          <a:bodyPr lIns="0" rIns="0" tIns="0" bIns="0" anchor="ctr"/>
-          <a:p>
-            <a:endParaRPr b="0" lang="de-DE" sz="1800" spc="-1" strike="noStrike">
-              <a:solidFill>
-                <a:srgbClr val="000000"/>
-              </a:solidFill>
-              <a:uFill>
-                <a:solidFill>
-                  <a:srgbClr val="ffffff"/>
+          <a:bodyPr lIns="0" tIns="0" rIns="0" bIns="0" anchor="ctr"/>
+          <a:lstStyle/>
+          <a:p>
+            <a:endParaRPr lang="de-DE" sz="1800" b="0" strike="noStrike" spc="-1">
+              <a:solidFill>
+                <a:srgbClr val="000000"/>
+              </a:solidFill>
+              <a:uFill>
+                <a:solidFill>
+                  <a:srgbClr val="FFFFFF"/>
                 </a:solidFill>
               </a:uFill>
               <a:latin typeface="Calibri"/>
@@ -1502,15 +1669,16 @@
           </a:prstGeom>
         </p:spPr>
         <p:txBody>
-          <a:bodyPr lIns="0" rIns="0" tIns="0" bIns="0"/>
-          <a:p>
-            <a:endParaRPr b="0" lang="de-DE" sz="3200" spc="-1" strike="noStrike">
-              <a:solidFill>
-                <a:srgbClr val="000000"/>
-              </a:solidFill>
-              <a:uFill>
-                <a:solidFill>
-                  <a:srgbClr val="ffffff"/>
+          <a:bodyPr lIns="0" tIns="0" rIns="0" bIns="0"/>
+          <a:lstStyle/>
+          <a:p>
+            <a:endParaRPr lang="de-DE" sz="3200" b="0" strike="noStrike" spc="-1">
+              <a:solidFill>
+                <a:srgbClr val="000000"/>
+              </a:solidFill>
+              <a:uFill>
+                <a:solidFill>
+                  <a:srgbClr val="FFFFFF"/>
                 </a:solidFill>
               </a:uFill>
               <a:latin typeface="Calibri"/>
@@ -1538,15 +1706,16 @@
           </a:prstGeom>
         </p:spPr>
         <p:txBody>
-          <a:bodyPr lIns="0" rIns="0" tIns="0" bIns="0"/>
-          <a:p>
-            <a:endParaRPr b="0" lang="de-DE" sz="3200" spc="-1" strike="noStrike">
-              <a:solidFill>
-                <a:srgbClr val="000000"/>
-              </a:solidFill>
-              <a:uFill>
-                <a:solidFill>
-                  <a:srgbClr val="ffffff"/>
+          <a:bodyPr lIns="0" tIns="0" rIns="0" bIns="0"/>
+          <a:lstStyle/>
+          <a:p>
+            <a:endParaRPr lang="de-DE" sz="3200" b="0" strike="noStrike" spc="-1">
+              <a:solidFill>
+                <a:srgbClr val="000000"/>
+              </a:solidFill>
+              <a:uFill>
+                <a:solidFill>
+                  <a:srgbClr val="FFFFFF"/>
                 </a:solidFill>
               </a:uFill>
               <a:latin typeface="Calibri"/>
@@ -1574,15 +1743,16 @@
           </a:prstGeom>
         </p:spPr>
         <p:txBody>
-          <a:bodyPr lIns="0" rIns="0" tIns="0" bIns="0"/>
-          <a:p>
-            <a:endParaRPr b="0" lang="de-DE" sz="3200" spc="-1" strike="noStrike">
-              <a:solidFill>
-                <a:srgbClr val="000000"/>
-              </a:solidFill>
-              <a:uFill>
-                <a:solidFill>
-                  <a:srgbClr val="ffffff"/>
+          <a:bodyPr lIns="0" tIns="0" rIns="0" bIns="0"/>
+          <a:lstStyle/>
+          <a:p>
+            <a:endParaRPr lang="de-DE" sz="3200" b="0" strike="noStrike" spc="-1">
+              <a:solidFill>
+                <a:srgbClr val="000000"/>
+              </a:solidFill>
+              <a:uFill>
+                <a:solidFill>
+                  <a:srgbClr val="FFFFFF"/>
                 </a:solidFill>
               </a:uFill>
               <a:latin typeface="Calibri"/>
@@ -1592,11 +1762,14 @@
       </p:sp>
     </p:spTree>
   </p:cSld>
+  <p:clrMapOvr>
+    <a:masterClrMapping/>
+  </p:clrMapOvr>
 </p:sldLayout>
 </file>
 
 <file path=ppt/slideLayouts/slideLayout22.xml><?xml version="1.0" encoding="utf-8"?>
-<p:sldLayout xmlns:a="http://schemas.openxmlformats.org/drawingml/2006/main" xmlns:p="http://schemas.openxmlformats.org/presentationml/2006/main" xmlns:r="http://schemas.openxmlformats.org/officeDocument/2006/relationships" xmlns:p14="http://schemas.microsoft.com/office/powerpoint/2010/main" xmlns:p15="http://schemas.microsoft.com/office/powerpoint/2012/main" xmlns:mc="http://schemas.openxmlformats.org/markup-compatibility/2006" type="objOverTx" preserve="1">
+<p:sldLayout xmlns:a="http://schemas.openxmlformats.org/drawingml/2006/main" xmlns:r="http://schemas.openxmlformats.org/officeDocument/2006/relationships" xmlns:p="http://schemas.openxmlformats.org/presentationml/2006/main" type="objOverTx" preserve="1">
   <p:cSld name="Title, Content over Content">
     <p:spTree>
       <p:nvGrpSpPr>
@@ -1632,15 +1805,16 @@
           </a:prstGeom>
         </p:spPr>
         <p:txBody>
-          <a:bodyPr lIns="0" rIns="0" tIns="0" bIns="0" anchor="ctr"/>
-          <a:p>
-            <a:endParaRPr b="0" lang="de-DE" sz="1800" spc="-1" strike="noStrike">
-              <a:solidFill>
-                <a:srgbClr val="000000"/>
-              </a:solidFill>
-              <a:uFill>
-                <a:solidFill>
-                  <a:srgbClr val="ffffff"/>
+          <a:bodyPr lIns="0" tIns="0" rIns="0" bIns="0" anchor="ctr"/>
+          <a:lstStyle/>
+          <a:p>
+            <a:endParaRPr lang="de-DE" sz="1800" b="0" strike="noStrike" spc="-1">
+              <a:solidFill>
+                <a:srgbClr val="000000"/>
+              </a:solidFill>
+              <a:uFill>
+                <a:solidFill>
+                  <a:srgbClr val="FFFFFF"/>
                 </a:solidFill>
               </a:uFill>
               <a:latin typeface="Calibri"/>
@@ -1668,15 +1842,16 @@
           </a:prstGeom>
         </p:spPr>
         <p:txBody>
-          <a:bodyPr lIns="0" rIns="0" tIns="0" bIns="0"/>
-          <a:p>
-            <a:endParaRPr b="0" lang="de-DE" sz="3200" spc="-1" strike="noStrike">
-              <a:solidFill>
-                <a:srgbClr val="000000"/>
-              </a:solidFill>
-              <a:uFill>
-                <a:solidFill>
-                  <a:srgbClr val="ffffff"/>
+          <a:bodyPr lIns="0" tIns="0" rIns="0" bIns="0"/>
+          <a:lstStyle/>
+          <a:p>
+            <a:endParaRPr lang="de-DE" sz="3200" b="0" strike="noStrike" spc="-1">
+              <a:solidFill>
+                <a:srgbClr val="000000"/>
+              </a:solidFill>
+              <a:uFill>
+                <a:solidFill>
+                  <a:srgbClr val="FFFFFF"/>
                 </a:solidFill>
               </a:uFill>
               <a:latin typeface="Calibri"/>
@@ -1704,15 +1879,16 @@
           </a:prstGeom>
         </p:spPr>
         <p:txBody>
-          <a:bodyPr lIns="0" rIns="0" tIns="0" bIns="0"/>
-          <a:p>
-            <a:endParaRPr b="0" lang="de-DE" sz="3200" spc="-1" strike="noStrike">
-              <a:solidFill>
-                <a:srgbClr val="000000"/>
-              </a:solidFill>
-              <a:uFill>
-                <a:solidFill>
-                  <a:srgbClr val="ffffff"/>
+          <a:bodyPr lIns="0" tIns="0" rIns="0" bIns="0"/>
+          <a:lstStyle/>
+          <a:p>
+            <a:endParaRPr lang="de-DE" sz="3200" b="0" strike="noStrike" spc="-1">
+              <a:solidFill>
+                <a:srgbClr val="000000"/>
+              </a:solidFill>
+              <a:uFill>
+                <a:solidFill>
+                  <a:srgbClr val="FFFFFF"/>
                 </a:solidFill>
               </a:uFill>
               <a:latin typeface="Calibri"/>
@@ -1722,11 +1898,14 @@
       </p:sp>
     </p:spTree>
   </p:cSld>
+  <p:clrMapOvr>
+    <a:masterClrMapping/>
+  </p:clrMapOvr>
 </p:sldLayout>
 </file>
 
 <file path=ppt/slideLayouts/slideLayout23.xml><?xml version="1.0" encoding="utf-8"?>
-<p:sldLayout xmlns:a="http://schemas.openxmlformats.org/drawingml/2006/main" xmlns:p="http://schemas.openxmlformats.org/presentationml/2006/main" xmlns:r="http://schemas.openxmlformats.org/officeDocument/2006/relationships" xmlns:p14="http://schemas.microsoft.com/office/powerpoint/2010/main" xmlns:p15="http://schemas.microsoft.com/office/powerpoint/2012/main" xmlns:mc="http://schemas.openxmlformats.org/markup-compatibility/2006" type="fourObj" preserve="1">
+<p:sldLayout xmlns:a="http://schemas.openxmlformats.org/drawingml/2006/main" xmlns:r="http://schemas.openxmlformats.org/officeDocument/2006/relationships" xmlns:p="http://schemas.openxmlformats.org/presentationml/2006/main" type="fourObj" preserve="1">
   <p:cSld name="Title, 4 Content">
     <p:spTree>
       <p:nvGrpSpPr>
@@ -1762,15 +1941,16 @@
           </a:prstGeom>
         </p:spPr>
         <p:txBody>
-          <a:bodyPr lIns="0" rIns="0" tIns="0" bIns="0" anchor="ctr"/>
-          <a:p>
-            <a:endParaRPr b="0" lang="de-DE" sz="1800" spc="-1" strike="noStrike">
-              <a:solidFill>
-                <a:srgbClr val="000000"/>
-              </a:solidFill>
-              <a:uFill>
-                <a:solidFill>
-                  <a:srgbClr val="ffffff"/>
+          <a:bodyPr lIns="0" tIns="0" rIns="0" bIns="0" anchor="ctr"/>
+          <a:lstStyle/>
+          <a:p>
+            <a:endParaRPr lang="de-DE" sz="1800" b="0" strike="noStrike" spc="-1">
+              <a:solidFill>
+                <a:srgbClr val="000000"/>
+              </a:solidFill>
+              <a:uFill>
+                <a:solidFill>
+                  <a:srgbClr val="FFFFFF"/>
                 </a:solidFill>
               </a:uFill>
               <a:latin typeface="Calibri"/>
@@ -1798,15 +1978,16 @@
           </a:prstGeom>
         </p:spPr>
         <p:txBody>
-          <a:bodyPr lIns="0" rIns="0" tIns="0" bIns="0"/>
-          <a:p>
-            <a:endParaRPr b="0" lang="de-DE" sz="3200" spc="-1" strike="noStrike">
-              <a:solidFill>
-                <a:srgbClr val="000000"/>
-              </a:solidFill>
-              <a:uFill>
-                <a:solidFill>
-                  <a:srgbClr val="ffffff"/>
+          <a:bodyPr lIns="0" tIns="0" rIns="0" bIns="0"/>
+          <a:lstStyle/>
+          <a:p>
+            <a:endParaRPr lang="de-DE" sz="3200" b="0" strike="noStrike" spc="-1">
+              <a:solidFill>
+                <a:srgbClr val="000000"/>
+              </a:solidFill>
+              <a:uFill>
+                <a:solidFill>
+                  <a:srgbClr val="FFFFFF"/>
                 </a:solidFill>
               </a:uFill>
               <a:latin typeface="Calibri"/>
@@ -1834,15 +2015,16 @@
           </a:prstGeom>
         </p:spPr>
         <p:txBody>
-          <a:bodyPr lIns="0" rIns="0" tIns="0" bIns="0"/>
-          <a:p>
-            <a:endParaRPr b="0" lang="de-DE" sz="3200" spc="-1" strike="noStrike">
-              <a:solidFill>
-                <a:srgbClr val="000000"/>
-              </a:solidFill>
-              <a:uFill>
-                <a:solidFill>
-                  <a:srgbClr val="ffffff"/>
+          <a:bodyPr lIns="0" tIns="0" rIns="0" bIns="0"/>
+          <a:lstStyle/>
+          <a:p>
+            <a:endParaRPr lang="de-DE" sz="3200" b="0" strike="noStrike" spc="-1">
+              <a:solidFill>
+                <a:srgbClr val="000000"/>
+              </a:solidFill>
+              <a:uFill>
+                <a:solidFill>
+                  <a:srgbClr val="FFFFFF"/>
                 </a:solidFill>
               </a:uFill>
               <a:latin typeface="Calibri"/>
@@ -1870,15 +2052,16 @@
           </a:prstGeom>
         </p:spPr>
         <p:txBody>
-          <a:bodyPr lIns="0" rIns="0" tIns="0" bIns="0"/>
-          <a:p>
-            <a:endParaRPr b="0" lang="de-DE" sz="3200" spc="-1" strike="noStrike">
-              <a:solidFill>
-                <a:srgbClr val="000000"/>
-              </a:solidFill>
-              <a:uFill>
-                <a:solidFill>
-                  <a:srgbClr val="ffffff"/>
+          <a:bodyPr lIns="0" tIns="0" rIns="0" bIns="0"/>
+          <a:lstStyle/>
+          <a:p>
+            <a:endParaRPr lang="de-DE" sz="3200" b="0" strike="noStrike" spc="-1">
+              <a:solidFill>
+                <a:srgbClr val="000000"/>
+              </a:solidFill>
+              <a:uFill>
+                <a:solidFill>
+                  <a:srgbClr val="FFFFFF"/>
                 </a:solidFill>
               </a:uFill>
               <a:latin typeface="Calibri"/>
@@ -1906,15 +2089,16 @@
           </a:prstGeom>
         </p:spPr>
         <p:txBody>
-          <a:bodyPr lIns="0" rIns="0" tIns="0" bIns="0"/>
-          <a:p>
-            <a:endParaRPr b="0" lang="de-DE" sz="3200" spc="-1" strike="noStrike">
-              <a:solidFill>
-                <a:srgbClr val="000000"/>
-              </a:solidFill>
-              <a:uFill>
-                <a:solidFill>
-                  <a:srgbClr val="ffffff"/>
+          <a:bodyPr lIns="0" tIns="0" rIns="0" bIns="0"/>
+          <a:lstStyle/>
+          <a:p>
+            <a:endParaRPr lang="de-DE" sz="3200" b="0" strike="noStrike" spc="-1">
+              <a:solidFill>
+                <a:srgbClr val="000000"/>
+              </a:solidFill>
+              <a:uFill>
+                <a:solidFill>
+                  <a:srgbClr val="FFFFFF"/>
                 </a:solidFill>
               </a:uFill>
               <a:latin typeface="Calibri"/>
@@ -1924,11 +2108,14 @@
       </p:sp>
     </p:spTree>
   </p:cSld>
+  <p:clrMapOvr>
+    <a:masterClrMapping/>
+  </p:clrMapOvr>
 </p:sldLayout>
 </file>
 
 <file path=ppt/slideLayouts/slideLayout24.xml><?xml version="1.0" encoding="utf-8"?>
-<p:sldLayout xmlns:a="http://schemas.openxmlformats.org/drawingml/2006/main" xmlns:p="http://schemas.openxmlformats.org/presentationml/2006/main" xmlns:r="http://schemas.openxmlformats.org/officeDocument/2006/relationships" xmlns:p14="http://schemas.microsoft.com/office/powerpoint/2010/main" xmlns:p15="http://schemas.microsoft.com/office/powerpoint/2012/main" xmlns:mc="http://schemas.openxmlformats.org/markup-compatibility/2006" type="blank" preserve="1">
+<p:sldLayout xmlns:a="http://schemas.openxmlformats.org/drawingml/2006/main" xmlns:r="http://schemas.openxmlformats.org/officeDocument/2006/relationships" xmlns:p="http://schemas.openxmlformats.org/presentationml/2006/main" type="blank" preserve="1">
   <p:cSld name="Title, 6 Content">
     <p:spTree>
       <p:nvGrpSpPr>
@@ -1964,15 +2151,16 @@
           </a:prstGeom>
         </p:spPr>
         <p:txBody>
-          <a:bodyPr lIns="0" rIns="0" tIns="0" bIns="0" anchor="ctr"/>
-          <a:p>
-            <a:endParaRPr b="0" lang="de-DE" sz="1800" spc="-1" strike="noStrike">
-              <a:solidFill>
-                <a:srgbClr val="000000"/>
-              </a:solidFill>
-              <a:uFill>
-                <a:solidFill>
-                  <a:srgbClr val="ffffff"/>
+          <a:bodyPr lIns="0" tIns="0" rIns="0" bIns="0" anchor="ctr"/>
+          <a:lstStyle/>
+          <a:p>
+            <a:endParaRPr lang="de-DE" sz="1800" b="0" strike="noStrike" spc="-1">
+              <a:solidFill>
+                <a:srgbClr val="000000"/>
+              </a:solidFill>
+              <a:uFill>
+                <a:solidFill>
+                  <a:srgbClr val="FFFFFF"/>
                 </a:solidFill>
               </a:uFill>
               <a:latin typeface="Calibri"/>
@@ -2000,15 +2188,16 @@
           </a:prstGeom>
         </p:spPr>
         <p:txBody>
-          <a:bodyPr lIns="0" rIns="0" tIns="0" bIns="0"/>
-          <a:p>
-            <a:endParaRPr b="0" lang="de-DE" sz="3200" spc="-1" strike="noStrike">
-              <a:solidFill>
-                <a:srgbClr val="000000"/>
-              </a:solidFill>
-              <a:uFill>
-                <a:solidFill>
-                  <a:srgbClr val="ffffff"/>
+          <a:bodyPr lIns="0" tIns="0" rIns="0" bIns="0"/>
+          <a:lstStyle/>
+          <a:p>
+            <a:endParaRPr lang="de-DE" sz="3200" b="0" strike="noStrike" spc="-1">
+              <a:solidFill>
+                <a:srgbClr val="000000"/>
+              </a:solidFill>
+              <a:uFill>
+                <a:solidFill>
+                  <a:srgbClr val="FFFFFF"/>
                 </a:solidFill>
               </a:uFill>
               <a:latin typeface="Calibri"/>
@@ -2036,15 +2225,16 @@
           </a:prstGeom>
         </p:spPr>
         <p:txBody>
-          <a:bodyPr lIns="0" rIns="0" tIns="0" bIns="0"/>
-          <a:p>
-            <a:endParaRPr b="0" lang="de-DE" sz="3200" spc="-1" strike="noStrike">
-              <a:solidFill>
-                <a:srgbClr val="000000"/>
-              </a:solidFill>
-              <a:uFill>
-                <a:solidFill>
-                  <a:srgbClr val="ffffff"/>
+          <a:bodyPr lIns="0" tIns="0" rIns="0" bIns="0"/>
+          <a:lstStyle/>
+          <a:p>
+            <a:endParaRPr lang="de-DE" sz="3200" b="0" strike="noStrike" spc="-1">
+              <a:solidFill>
+                <a:srgbClr val="000000"/>
+              </a:solidFill>
+              <a:uFill>
+                <a:solidFill>
+                  <a:srgbClr val="FFFFFF"/>
                 </a:solidFill>
               </a:uFill>
               <a:latin typeface="Calibri"/>
@@ -2054,7 +2244,7 @@
       </p:sp>
       <p:pic>
         <p:nvPicPr>
-          <p:cNvPr id="76" name="" descr=""/>
+          <p:cNvPr id="76" name="Grafik 75"/>
           <p:cNvPicPr/>
           <p:nvPr/>
         </p:nvPicPr>
@@ -2077,12 +2267,12 @@
       </p:pic>
       <p:pic>
         <p:nvPicPr>
-          <p:cNvPr id="77" name="" descr=""/>
+          <p:cNvPr id="77" name="Grafik 76"/>
           <p:cNvPicPr/>
           <p:nvPr/>
         </p:nvPicPr>
         <p:blipFill>
-          <a:blip r:embed="rId3"/>
+          <a:blip r:embed="rId2"/>
           <a:stretch/>
         </p:blipFill>
         <p:spPr>
@@ -2100,11 +2290,14 @@
       </p:pic>
     </p:spTree>
   </p:cSld>
+  <p:clrMapOvr>
+    <a:masterClrMapping/>
+  </p:clrMapOvr>
 </p:sldLayout>
 </file>
 
 <file path=ppt/slideLayouts/slideLayout3.xml><?xml version="1.0" encoding="utf-8"?>
-<p:sldLayout xmlns:a="http://schemas.openxmlformats.org/drawingml/2006/main" xmlns:p="http://schemas.openxmlformats.org/presentationml/2006/main" xmlns:r="http://schemas.openxmlformats.org/officeDocument/2006/relationships" xmlns:p14="http://schemas.microsoft.com/office/powerpoint/2010/main" xmlns:p15="http://schemas.microsoft.com/office/powerpoint/2012/main" xmlns:mc="http://schemas.openxmlformats.org/markup-compatibility/2006" type="obj" preserve="1">
+<p:sldLayout xmlns:a="http://schemas.openxmlformats.org/drawingml/2006/main" xmlns:r="http://schemas.openxmlformats.org/officeDocument/2006/relationships" xmlns:p="http://schemas.openxmlformats.org/presentationml/2006/main" type="obj" preserve="1">
   <p:cSld name="Title, Content">
     <p:spTree>
       <p:nvGrpSpPr>
@@ -2140,15 +2333,16 @@
           </a:prstGeom>
         </p:spPr>
         <p:txBody>
-          <a:bodyPr lIns="0" rIns="0" tIns="0" bIns="0" anchor="ctr"/>
-          <a:p>
-            <a:endParaRPr b="0" lang="de-DE" sz="1800" spc="-1" strike="noStrike">
-              <a:solidFill>
-                <a:srgbClr val="000000"/>
-              </a:solidFill>
-              <a:uFill>
-                <a:solidFill>
-                  <a:srgbClr val="ffffff"/>
+          <a:bodyPr lIns="0" tIns="0" rIns="0" bIns="0" anchor="ctr"/>
+          <a:lstStyle/>
+          <a:p>
+            <a:endParaRPr lang="de-DE" sz="1800" b="0" strike="noStrike" spc="-1">
+              <a:solidFill>
+                <a:srgbClr val="000000"/>
+              </a:solidFill>
+              <a:uFill>
+                <a:solidFill>
+                  <a:srgbClr val="FFFFFF"/>
                 </a:solidFill>
               </a:uFill>
               <a:latin typeface="Calibri"/>
@@ -2176,15 +2370,16 @@
           </a:prstGeom>
         </p:spPr>
         <p:txBody>
-          <a:bodyPr lIns="0" rIns="0" tIns="0" bIns="0"/>
-          <a:p>
-            <a:endParaRPr b="0" lang="de-DE" sz="3200" spc="-1" strike="noStrike">
-              <a:solidFill>
-                <a:srgbClr val="000000"/>
-              </a:solidFill>
-              <a:uFill>
-                <a:solidFill>
-                  <a:srgbClr val="ffffff"/>
+          <a:bodyPr lIns="0" tIns="0" rIns="0" bIns="0"/>
+          <a:lstStyle/>
+          <a:p>
+            <a:endParaRPr lang="de-DE" sz="3200" b="0" strike="noStrike" spc="-1">
+              <a:solidFill>
+                <a:srgbClr val="000000"/>
+              </a:solidFill>
+              <a:uFill>
+                <a:solidFill>
+                  <a:srgbClr val="FFFFFF"/>
                 </a:solidFill>
               </a:uFill>
               <a:latin typeface="Calibri"/>
@@ -2194,11 +2389,14 @@
       </p:sp>
     </p:spTree>
   </p:cSld>
+  <p:clrMapOvr>
+    <a:masterClrMapping/>
+  </p:clrMapOvr>
 </p:sldLayout>
 </file>
 
 <file path=ppt/slideLayouts/slideLayout4.xml><?xml version="1.0" encoding="utf-8"?>
-<p:sldLayout xmlns:a="http://schemas.openxmlformats.org/drawingml/2006/main" xmlns:p="http://schemas.openxmlformats.org/presentationml/2006/main" xmlns:r="http://schemas.openxmlformats.org/officeDocument/2006/relationships" xmlns:p14="http://schemas.microsoft.com/office/powerpoint/2010/main" xmlns:p15="http://schemas.microsoft.com/office/powerpoint/2012/main" xmlns:mc="http://schemas.openxmlformats.org/markup-compatibility/2006" type="twoObj" preserve="1">
+<p:sldLayout xmlns:a="http://schemas.openxmlformats.org/drawingml/2006/main" xmlns:r="http://schemas.openxmlformats.org/officeDocument/2006/relationships" xmlns:p="http://schemas.openxmlformats.org/presentationml/2006/main" type="twoObj" preserve="1">
   <p:cSld name="Title, 2 Content">
     <p:spTree>
       <p:nvGrpSpPr>
@@ -2234,15 +2432,16 @@
           </a:prstGeom>
         </p:spPr>
         <p:txBody>
-          <a:bodyPr lIns="0" rIns="0" tIns="0" bIns="0" anchor="ctr"/>
-          <a:p>
-            <a:endParaRPr b="0" lang="de-DE" sz="1800" spc="-1" strike="noStrike">
-              <a:solidFill>
-                <a:srgbClr val="000000"/>
-              </a:solidFill>
-              <a:uFill>
-                <a:solidFill>
-                  <a:srgbClr val="ffffff"/>
+          <a:bodyPr lIns="0" tIns="0" rIns="0" bIns="0" anchor="ctr"/>
+          <a:lstStyle/>
+          <a:p>
+            <a:endParaRPr lang="de-DE" sz="1800" b="0" strike="noStrike" spc="-1">
+              <a:solidFill>
+                <a:srgbClr val="000000"/>
+              </a:solidFill>
+              <a:uFill>
+                <a:solidFill>
+                  <a:srgbClr val="FFFFFF"/>
                 </a:solidFill>
               </a:uFill>
               <a:latin typeface="Calibri"/>
@@ -2270,15 +2469,16 @@
           </a:prstGeom>
         </p:spPr>
         <p:txBody>
-          <a:bodyPr lIns="0" rIns="0" tIns="0" bIns="0"/>
-          <a:p>
-            <a:endParaRPr b="0" lang="de-DE" sz="3200" spc="-1" strike="noStrike">
-              <a:solidFill>
-                <a:srgbClr val="000000"/>
-              </a:solidFill>
-              <a:uFill>
-                <a:solidFill>
-                  <a:srgbClr val="ffffff"/>
+          <a:bodyPr lIns="0" tIns="0" rIns="0" bIns="0"/>
+          <a:lstStyle/>
+          <a:p>
+            <a:endParaRPr lang="de-DE" sz="3200" b="0" strike="noStrike" spc="-1">
+              <a:solidFill>
+                <a:srgbClr val="000000"/>
+              </a:solidFill>
+              <a:uFill>
+                <a:solidFill>
+                  <a:srgbClr val="FFFFFF"/>
                 </a:solidFill>
               </a:uFill>
               <a:latin typeface="Calibri"/>
@@ -2306,15 +2506,16 @@
           </a:prstGeom>
         </p:spPr>
         <p:txBody>
-          <a:bodyPr lIns="0" rIns="0" tIns="0" bIns="0"/>
-          <a:p>
-            <a:endParaRPr b="0" lang="de-DE" sz="3200" spc="-1" strike="noStrike">
-              <a:solidFill>
-                <a:srgbClr val="000000"/>
-              </a:solidFill>
-              <a:uFill>
-                <a:solidFill>
-                  <a:srgbClr val="ffffff"/>
+          <a:bodyPr lIns="0" tIns="0" rIns="0" bIns="0"/>
+          <a:lstStyle/>
+          <a:p>
+            <a:endParaRPr lang="de-DE" sz="3200" b="0" strike="noStrike" spc="-1">
+              <a:solidFill>
+                <a:srgbClr val="000000"/>
+              </a:solidFill>
+              <a:uFill>
+                <a:solidFill>
+                  <a:srgbClr val="FFFFFF"/>
                 </a:solidFill>
               </a:uFill>
               <a:latin typeface="Calibri"/>
@@ -2324,11 +2525,14 @@
       </p:sp>
     </p:spTree>
   </p:cSld>
+  <p:clrMapOvr>
+    <a:masterClrMapping/>
+  </p:clrMapOvr>
 </p:sldLayout>
 </file>
 
 <file path=ppt/slideLayouts/slideLayout5.xml><?xml version="1.0" encoding="utf-8"?>
-<p:sldLayout xmlns:a="http://schemas.openxmlformats.org/drawingml/2006/main" xmlns:p="http://schemas.openxmlformats.org/presentationml/2006/main" xmlns:r="http://schemas.openxmlformats.org/officeDocument/2006/relationships" xmlns:p14="http://schemas.microsoft.com/office/powerpoint/2010/main" xmlns:p15="http://schemas.microsoft.com/office/powerpoint/2012/main" xmlns:mc="http://schemas.openxmlformats.org/markup-compatibility/2006" type="titleOnly" preserve="1">
+<p:sldLayout xmlns:a="http://schemas.openxmlformats.org/drawingml/2006/main" xmlns:r="http://schemas.openxmlformats.org/officeDocument/2006/relationships" xmlns:p="http://schemas.openxmlformats.org/presentationml/2006/main" type="titleOnly" preserve="1">
   <p:cSld name="Title Only">
     <p:spTree>
       <p:nvGrpSpPr>
@@ -2364,15 +2568,16 @@
           </a:prstGeom>
         </p:spPr>
         <p:txBody>
-          <a:bodyPr lIns="0" rIns="0" tIns="0" bIns="0" anchor="ctr"/>
-          <a:p>
-            <a:endParaRPr b="0" lang="de-DE" sz="1800" spc="-1" strike="noStrike">
-              <a:solidFill>
-                <a:srgbClr val="000000"/>
-              </a:solidFill>
-              <a:uFill>
-                <a:solidFill>
-                  <a:srgbClr val="ffffff"/>
+          <a:bodyPr lIns="0" tIns="0" rIns="0" bIns="0" anchor="ctr"/>
+          <a:lstStyle/>
+          <a:p>
+            <a:endParaRPr lang="de-DE" sz="1800" b="0" strike="noStrike" spc="-1">
+              <a:solidFill>
+                <a:srgbClr val="000000"/>
+              </a:solidFill>
+              <a:uFill>
+                <a:solidFill>
+                  <a:srgbClr val="FFFFFF"/>
                 </a:solidFill>
               </a:uFill>
               <a:latin typeface="Calibri"/>
@@ -2382,11 +2587,14 @@
       </p:sp>
     </p:spTree>
   </p:cSld>
+  <p:clrMapOvr>
+    <a:masterClrMapping/>
+  </p:clrMapOvr>
 </p:sldLayout>
 </file>
 
 <file path=ppt/slideLayouts/slideLayout6.xml><?xml version="1.0" encoding="utf-8"?>
-<p:sldLayout xmlns:a="http://schemas.openxmlformats.org/drawingml/2006/main" xmlns:p="http://schemas.openxmlformats.org/presentationml/2006/main" xmlns:r="http://schemas.openxmlformats.org/officeDocument/2006/relationships" xmlns:p14="http://schemas.microsoft.com/office/powerpoint/2010/main" xmlns:p15="http://schemas.microsoft.com/office/powerpoint/2012/main" xmlns:mc="http://schemas.openxmlformats.org/markup-compatibility/2006" type="objOnly" preserve="1">
+<p:sldLayout xmlns:a="http://schemas.openxmlformats.org/drawingml/2006/main" xmlns:r="http://schemas.openxmlformats.org/officeDocument/2006/relationships" xmlns:p="http://schemas.openxmlformats.org/presentationml/2006/main" type="objOnly" preserve="1">
   <p:cSld name="Centered Text">
     <p:spTree>
       <p:nvGrpSpPr>
@@ -2422,16 +2630,17 @@
           </a:prstGeom>
         </p:spPr>
         <p:txBody>
-          <a:bodyPr lIns="0" rIns="0" tIns="0" bIns="0" anchor="ctr"/>
+          <a:bodyPr lIns="0" tIns="0" rIns="0" bIns="0" anchor="ctr"/>
+          <a:lstStyle/>
           <a:p>
             <a:pPr algn="ctr"/>
-            <a:endParaRPr b="0" lang="en-US" sz="3200" spc="-1" strike="noStrike">
-              <a:solidFill>
-                <a:srgbClr val="000000"/>
-              </a:solidFill>
-              <a:uFill>
-                <a:solidFill>
-                  <a:srgbClr val="ffffff"/>
+            <a:endParaRPr lang="en-US" sz="3200" b="0" strike="noStrike" spc="-1">
+              <a:solidFill>
+                <a:srgbClr val="000000"/>
+              </a:solidFill>
+              <a:uFill>
+                <a:solidFill>
+                  <a:srgbClr val="FFFFFF"/>
                 </a:solidFill>
               </a:uFill>
               <a:latin typeface="Arial"/>
@@ -2441,11 +2650,14 @@
       </p:sp>
     </p:spTree>
   </p:cSld>
+  <p:clrMapOvr>
+    <a:masterClrMapping/>
+  </p:clrMapOvr>
 </p:sldLayout>
 </file>
 
 <file path=ppt/slideLayouts/slideLayout7.xml><?xml version="1.0" encoding="utf-8"?>
-<p:sldLayout xmlns:a="http://schemas.openxmlformats.org/drawingml/2006/main" xmlns:p="http://schemas.openxmlformats.org/presentationml/2006/main" xmlns:r="http://schemas.openxmlformats.org/officeDocument/2006/relationships" xmlns:p14="http://schemas.microsoft.com/office/powerpoint/2010/main" xmlns:p15="http://schemas.microsoft.com/office/powerpoint/2012/main" xmlns:mc="http://schemas.openxmlformats.org/markup-compatibility/2006" type="twoObjAndObj" preserve="1">
+<p:sldLayout xmlns:a="http://schemas.openxmlformats.org/drawingml/2006/main" xmlns:r="http://schemas.openxmlformats.org/officeDocument/2006/relationships" xmlns:p="http://schemas.openxmlformats.org/presentationml/2006/main" type="twoObjAndObj" preserve="1">
   <p:cSld name="Title, 2 Content and Content">
     <p:spTree>
       <p:nvGrpSpPr>
@@ -2481,15 +2693,16 @@
           </a:prstGeom>
         </p:spPr>
         <p:txBody>
-          <a:bodyPr lIns="0" rIns="0" tIns="0" bIns="0" anchor="ctr"/>
-          <a:p>
-            <a:endParaRPr b="0" lang="de-DE" sz="1800" spc="-1" strike="noStrike">
-              <a:solidFill>
-                <a:srgbClr val="000000"/>
-              </a:solidFill>
-              <a:uFill>
-                <a:solidFill>
-                  <a:srgbClr val="ffffff"/>
+          <a:bodyPr lIns="0" tIns="0" rIns="0" bIns="0" anchor="ctr"/>
+          <a:lstStyle/>
+          <a:p>
+            <a:endParaRPr lang="de-DE" sz="1800" b="0" strike="noStrike" spc="-1">
+              <a:solidFill>
+                <a:srgbClr val="000000"/>
+              </a:solidFill>
+              <a:uFill>
+                <a:solidFill>
+                  <a:srgbClr val="FFFFFF"/>
                 </a:solidFill>
               </a:uFill>
               <a:latin typeface="Calibri"/>
@@ -2517,15 +2730,16 @@
           </a:prstGeom>
         </p:spPr>
         <p:txBody>
-          <a:bodyPr lIns="0" rIns="0" tIns="0" bIns="0"/>
-          <a:p>
-            <a:endParaRPr b="0" lang="de-DE" sz="3200" spc="-1" strike="noStrike">
-              <a:solidFill>
-                <a:srgbClr val="000000"/>
-              </a:solidFill>
-              <a:uFill>
-                <a:solidFill>
-                  <a:srgbClr val="ffffff"/>
+          <a:bodyPr lIns="0" tIns="0" rIns="0" bIns="0"/>
+          <a:lstStyle/>
+          <a:p>
+            <a:endParaRPr lang="de-DE" sz="3200" b="0" strike="noStrike" spc="-1">
+              <a:solidFill>
+                <a:srgbClr val="000000"/>
+              </a:solidFill>
+              <a:uFill>
+                <a:solidFill>
+                  <a:srgbClr val="FFFFFF"/>
                 </a:solidFill>
               </a:uFill>
               <a:latin typeface="Calibri"/>
@@ -2553,15 +2767,16 @@
           </a:prstGeom>
         </p:spPr>
         <p:txBody>
-          <a:bodyPr lIns="0" rIns="0" tIns="0" bIns="0"/>
-          <a:p>
-            <a:endParaRPr b="0" lang="de-DE" sz="3200" spc="-1" strike="noStrike">
-              <a:solidFill>
-                <a:srgbClr val="000000"/>
-              </a:solidFill>
-              <a:uFill>
-                <a:solidFill>
-                  <a:srgbClr val="ffffff"/>
+          <a:bodyPr lIns="0" tIns="0" rIns="0" bIns="0"/>
+          <a:lstStyle/>
+          <a:p>
+            <a:endParaRPr lang="de-DE" sz="3200" b="0" strike="noStrike" spc="-1">
+              <a:solidFill>
+                <a:srgbClr val="000000"/>
+              </a:solidFill>
+              <a:uFill>
+                <a:solidFill>
+                  <a:srgbClr val="FFFFFF"/>
                 </a:solidFill>
               </a:uFill>
               <a:latin typeface="Calibri"/>
@@ -2589,15 +2804,16 @@
           </a:prstGeom>
         </p:spPr>
         <p:txBody>
-          <a:bodyPr lIns="0" rIns="0" tIns="0" bIns="0"/>
-          <a:p>
-            <a:endParaRPr b="0" lang="de-DE" sz="3200" spc="-1" strike="noStrike">
-              <a:solidFill>
-                <a:srgbClr val="000000"/>
-              </a:solidFill>
-              <a:uFill>
-                <a:solidFill>
-                  <a:srgbClr val="ffffff"/>
+          <a:bodyPr lIns="0" tIns="0" rIns="0" bIns="0"/>
+          <a:lstStyle/>
+          <a:p>
+            <a:endParaRPr lang="de-DE" sz="3200" b="0" strike="noStrike" spc="-1">
+              <a:solidFill>
+                <a:srgbClr val="000000"/>
+              </a:solidFill>
+              <a:uFill>
+                <a:solidFill>
+                  <a:srgbClr val="FFFFFF"/>
                 </a:solidFill>
               </a:uFill>
               <a:latin typeface="Calibri"/>
@@ -2607,11 +2823,14 @@
       </p:sp>
     </p:spTree>
   </p:cSld>
+  <p:clrMapOvr>
+    <a:masterClrMapping/>
+  </p:clrMapOvr>
 </p:sldLayout>
 </file>
 
 <file path=ppt/slideLayouts/slideLayout8.xml><?xml version="1.0" encoding="utf-8"?>
-<p:sldLayout xmlns:a="http://schemas.openxmlformats.org/drawingml/2006/main" xmlns:p="http://schemas.openxmlformats.org/presentationml/2006/main" xmlns:r="http://schemas.openxmlformats.org/officeDocument/2006/relationships" xmlns:p14="http://schemas.microsoft.com/office/powerpoint/2010/main" xmlns:p15="http://schemas.microsoft.com/office/powerpoint/2012/main" xmlns:mc="http://schemas.openxmlformats.org/markup-compatibility/2006" type="objAndTwoObj" preserve="1">
+<p:sldLayout xmlns:a="http://schemas.openxmlformats.org/drawingml/2006/main" xmlns:r="http://schemas.openxmlformats.org/officeDocument/2006/relationships" xmlns:p="http://schemas.openxmlformats.org/presentationml/2006/main" type="objAndTwoObj" preserve="1">
   <p:cSld name="Title Content and 2 Content">
     <p:spTree>
       <p:nvGrpSpPr>
@@ -2647,15 +2866,16 @@
           </a:prstGeom>
         </p:spPr>
         <p:txBody>
-          <a:bodyPr lIns="0" rIns="0" tIns="0" bIns="0" anchor="ctr"/>
-          <a:p>
-            <a:endParaRPr b="0" lang="de-DE" sz="1800" spc="-1" strike="noStrike">
-              <a:solidFill>
-                <a:srgbClr val="000000"/>
-              </a:solidFill>
-              <a:uFill>
-                <a:solidFill>
-                  <a:srgbClr val="ffffff"/>
+          <a:bodyPr lIns="0" tIns="0" rIns="0" bIns="0" anchor="ctr"/>
+          <a:lstStyle/>
+          <a:p>
+            <a:endParaRPr lang="de-DE" sz="1800" b="0" strike="noStrike" spc="-1">
+              <a:solidFill>
+                <a:srgbClr val="000000"/>
+              </a:solidFill>
+              <a:uFill>
+                <a:solidFill>
+                  <a:srgbClr val="FFFFFF"/>
                 </a:solidFill>
               </a:uFill>
               <a:latin typeface="Calibri"/>
@@ -2683,15 +2903,16 @@
           </a:prstGeom>
         </p:spPr>
         <p:txBody>
-          <a:bodyPr lIns="0" rIns="0" tIns="0" bIns="0"/>
-          <a:p>
-            <a:endParaRPr b="0" lang="de-DE" sz="3200" spc="-1" strike="noStrike">
-              <a:solidFill>
-                <a:srgbClr val="000000"/>
-              </a:solidFill>
-              <a:uFill>
-                <a:solidFill>
-                  <a:srgbClr val="ffffff"/>
+          <a:bodyPr lIns="0" tIns="0" rIns="0" bIns="0"/>
+          <a:lstStyle/>
+          <a:p>
+            <a:endParaRPr lang="de-DE" sz="3200" b="0" strike="noStrike" spc="-1">
+              <a:solidFill>
+                <a:srgbClr val="000000"/>
+              </a:solidFill>
+              <a:uFill>
+                <a:solidFill>
+                  <a:srgbClr val="FFFFFF"/>
                 </a:solidFill>
               </a:uFill>
               <a:latin typeface="Calibri"/>
@@ -2719,15 +2940,16 @@
           </a:prstGeom>
         </p:spPr>
         <p:txBody>
-          <a:bodyPr lIns="0" rIns="0" tIns="0" bIns="0"/>
-          <a:p>
-            <a:endParaRPr b="0" lang="de-DE" sz="3200" spc="-1" strike="noStrike">
-              <a:solidFill>
-                <a:srgbClr val="000000"/>
-              </a:solidFill>
-              <a:uFill>
-                <a:solidFill>
-                  <a:srgbClr val="ffffff"/>
+          <a:bodyPr lIns="0" tIns="0" rIns="0" bIns="0"/>
+          <a:lstStyle/>
+          <a:p>
+            <a:endParaRPr lang="de-DE" sz="3200" b="0" strike="noStrike" spc="-1">
+              <a:solidFill>
+                <a:srgbClr val="000000"/>
+              </a:solidFill>
+              <a:uFill>
+                <a:solidFill>
+                  <a:srgbClr val="FFFFFF"/>
                 </a:solidFill>
               </a:uFill>
               <a:latin typeface="Calibri"/>
@@ -2755,15 +2977,16 @@
           </a:prstGeom>
         </p:spPr>
         <p:txBody>
-          <a:bodyPr lIns="0" rIns="0" tIns="0" bIns="0"/>
-          <a:p>
-            <a:endParaRPr b="0" lang="de-DE" sz="3200" spc="-1" strike="noStrike">
-              <a:solidFill>
-                <a:srgbClr val="000000"/>
-              </a:solidFill>
-              <a:uFill>
-                <a:solidFill>
-                  <a:srgbClr val="ffffff"/>
+          <a:bodyPr lIns="0" tIns="0" rIns="0" bIns="0"/>
+          <a:lstStyle/>
+          <a:p>
+            <a:endParaRPr lang="de-DE" sz="3200" b="0" strike="noStrike" spc="-1">
+              <a:solidFill>
+                <a:srgbClr val="000000"/>
+              </a:solidFill>
+              <a:uFill>
+                <a:solidFill>
+                  <a:srgbClr val="FFFFFF"/>
                 </a:solidFill>
               </a:uFill>
               <a:latin typeface="Calibri"/>
@@ -2773,11 +2996,14 @@
       </p:sp>
     </p:spTree>
   </p:cSld>
+  <p:clrMapOvr>
+    <a:masterClrMapping/>
+  </p:clrMapOvr>
 </p:sldLayout>
 </file>
 
 <file path=ppt/slideLayouts/slideLayout9.xml><?xml version="1.0" encoding="utf-8"?>
-<p:sldLayout xmlns:a="http://schemas.openxmlformats.org/drawingml/2006/main" xmlns:p="http://schemas.openxmlformats.org/presentationml/2006/main" xmlns:r="http://schemas.openxmlformats.org/officeDocument/2006/relationships" xmlns:p14="http://schemas.microsoft.com/office/powerpoint/2010/main" xmlns:p15="http://schemas.microsoft.com/office/powerpoint/2012/main" xmlns:mc="http://schemas.openxmlformats.org/markup-compatibility/2006" type="twoObjOverTx" preserve="1">
+<p:sldLayout xmlns:a="http://schemas.openxmlformats.org/drawingml/2006/main" xmlns:r="http://schemas.openxmlformats.org/officeDocument/2006/relationships" xmlns:p="http://schemas.openxmlformats.org/presentationml/2006/main" type="twoObjOverTx" preserve="1">
   <p:cSld name="Title, 2 Content over Content">
     <p:spTree>
       <p:nvGrpSpPr>
@@ -2813,15 +3039,16 @@
           </a:prstGeom>
         </p:spPr>
         <p:txBody>
-          <a:bodyPr lIns="0" rIns="0" tIns="0" bIns="0" anchor="ctr"/>
-          <a:p>
-            <a:endParaRPr b="0" lang="de-DE" sz="1800" spc="-1" strike="noStrike">
-              <a:solidFill>
-                <a:srgbClr val="000000"/>
-              </a:solidFill>
-              <a:uFill>
-                <a:solidFill>
-                  <a:srgbClr val="ffffff"/>
+          <a:bodyPr lIns="0" tIns="0" rIns="0" bIns="0" anchor="ctr"/>
+          <a:lstStyle/>
+          <a:p>
+            <a:endParaRPr lang="de-DE" sz="1800" b="0" strike="noStrike" spc="-1">
+              <a:solidFill>
+                <a:srgbClr val="000000"/>
+              </a:solidFill>
+              <a:uFill>
+                <a:solidFill>
+                  <a:srgbClr val="FFFFFF"/>
                 </a:solidFill>
               </a:uFill>
               <a:latin typeface="Calibri"/>
@@ -2849,15 +3076,16 @@
           </a:prstGeom>
         </p:spPr>
         <p:txBody>
-          <a:bodyPr lIns="0" rIns="0" tIns="0" bIns="0"/>
-          <a:p>
-            <a:endParaRPr b="0" lang="de-DE" sz="3200" spc="-1" strike="noStrike">
-              <a:solidFill>
-                <a:srgbClr val="000000"/>
-              </a:solidFill>
-              <a:uFill>
-                <a:solidFill>
-                  <a:srgbClr val="ffffff"/>
+          <a:bodyPr lIns="0" tIns="0" rIns="0" bIns="0"/>
+          <a:lstStyle/>
+          <a:p>
+            <a:endParaRPr lang="de-DE" sz="3200" b="0" strike="noStrike" spc="-1">
+              <a:solidFill>
+                <a:srgbClr val="000000"/>
+              </a:solidFill>
+              <a:uFill>
+                <a:solidFill>
+                  <a:srgbClr val="FFFFFF"/>
                 </a:solidFill>
               </a:uFill>
               <a:latin typeface="Calibri"/>
@@ -2885,15 +3113,16 @@
           </a:prstGeom>
         </p:spPr>
         <p:txBody>
-          <a:bodyPr lIns="0" rIns="0" tIns="0" bIns="0"/>
-          <a:p>
-            <a:endParaRPr b="0" lang="de-DE" sz="3200" spc="-1" strike="noStrike">
-              <a:solidFill>
-                <a:srgbClr val="000000"/>
-              </a:solidFill>
-              <a:uFill>
-                <a:solidFill>
-                  <a:srgbClr val="ffffff"/>
+          <a:bodyPr lIns="0" tIns="0" rIns="0" bIns="0"/>
+          <a:lstStyle/>
+          <a:p>
+            <a:endParaRPr lang="de-DE" sz="3200" b="0" strike="noStrike" spc="-1">
+              <a:solidFill>
+                <a:srgbClr val="000000"/>
+              </a:solidFill>
+              <a:uFill>
+                <a:solidFill>
+                  <a:srgbClr val="FFFFFF"/>
                 </a:solidFill>
               </a:uFill>
               <a:latin typeface="Calibri"/>
@@ -2921,15 +3150,16 @@
           </a:prstGeom>
         </p:spPr>
         <p:txBody>
-          <a:bodyPr lIns="0" rIns="0" tIns="0" bIns="0"/>
-          <a:p>
-            <a:endParaRPr b="0" lang="de-DE" sz="3200" spc="-1" strike="noStrike">
-              <a:solidFill>
-                <a:srgbClr val="000000"/>
-              </a:solidFill>
-              <a:uFill>
-                <a:solidFill>
-                  <a:srgbClr val="ffffff"/>
+          <a:bodyPr lIns="0" tIns="0" rIns="0" bIns="0"/>
+          <a:lstStyle/>
+          <a:p>
+            <a:endParaRPr lang="de-DE" sz="3200" b="0" strike="noStrike" spc="-1">
+              <a:solidFill>
+                <a:srgbClr val="000000"/>
+              </a:solidFill>
+              <a:uFill>
+                <a:solidFill>
+                  <a:srgbClr val="FFFFFF"/>
                 </a:solidFill>
               </a:uFill>
               <a:latin typeface="Calibri"/>
@@ -2939,17 +3169,21 @@
       </p:sp>
     </p:spTree>
   </p:cSld>
+  <p:clrMapOvr>
+    <a:masterClrMapping/>
+  </p:clrMapOvr>
 </p:sldLayout>
 </file>
 
 <file path=ppt/slideMasters/slideMaster1.xml><?xml version="1.0" encoding="utf-8"?>
-<p:sldMaster xmlns:a="http://schemas.openxmlformats.org/drawingml/2006/main" xmlns:p="http://schemas.openxmlformats.org/presentationml/2006/main" xmlns:r="http://schemas.openxmlformats.org/officeDocument/2006/relationships" xmlns:p14="http://schemas.microsoft.com/office/powerpoint/2010/main" xmlns:p15="http://schemas.microsoft.com/office/powerpoint/2012/main" xmlns:mc="http://schemas.openxmlformats.org/markup-compatibility/2006">
+<p:sldMaster xmlns:a="http://schemas.openxmlformats.org/drawingml/2006/main" xmlns:r="http://schemas.openxmlformats.org/officeDocument/2006/relationships" xmlns:p="http://schemas.openxmlformats.org/presentationml/2006/main">
   <p:cSld>
     <p:bg>
       <p:bgPr>
         <a:solidFill>
-          <a:srgbClr val="ffffff"/>
+          <a:srgbClr val="FFFFFF"/>
         </a:solidFill>
+        <a:effectLst/>
       </p:bgPr>
     </p:bg>
     <p:spTree>
@@ -2968,7 +3202,7 @@
       </p:grpSpPr>
       <p:sp>
         <p:nvSpPr>
-          <p:cNvPr id="0" name="PlaceHolder 1"/>
+          <p:cNvPr id="5" name="PlaceHolder 1"/>
           <p:cNvSpPr>
             <a:spLocks noGrp="1"/>
           </p:cNvSpPr>
@@ -2987,6 +3221,7 @@
         </p:spPr>
         <p:txBody>
           <a:bodyPr anchor="ctr"/>
+          <a:lstStyle/>
           <a:p>
             <a:pPr algn="ctr">
               <a:lnSpc>
@@ -2994,64 +3229,36 @@
               </a:lnSpc>
             </a:pPr>
             <a:r>
-              <a:rPr b="0" lang="de-DE" sz="4400" spc="-1" strike="noStrike">
+              <a:rPr lang="de-DE" sz="4400" b="0" strike="noStrike" spc="-1">
                 <a:solidFill>
                   <a:srgbClr val="000000"/>
                 </a:solidFill>
                 <a:uFill>
                   <a:solidFill>
-                    <a:srgbClr val="ffffff"/>
+                    <a:srgbClr val="FFFFFF"/>
                   </a:solidFill>
                 </a:uFill>
                 <a:latin typeface="Calibri"/>
               </a:rPr>
-              <a:t>Titelmasterformat </a:t>
+              <a:t>Titelmasterformat durch Klicken bearbeiten</a:t>
             </a:r>
-            <a:r>
-              <a:rPr b="0" lang="de-DE" sz="4400" spc="-1" strike="noStrike">
-                <a:solidFill>
-                  <a:srgbClr val="000000"/>
-                </a:solidFill>
-                <a:uFill>
-                  <a:solidFill>
-                    <a:srgbClr val="ffffff"/>
-                  </a:solidFill>
-                </a:uFill>
-                <a:latin typeface="Calibri"/>
-              </a:rPr>
-              <a:t>durch Klicken </a:t>
-            </a:r>
-            <a:r>
-              <a:rPr b="0" lang="de-DE" sz="4400" spc="-1" strike="noStrike">
-                <a:solidFill>
-                  <a:srgbClr val="000000"/>
-                </a:solidFill>
-                <a:uFill>
-                  <a:solidFill>
-                    <a:srgbClr val="ffffff"/>
-                  </a:solidFill>
-                </a:uFill>
-                <a:latin typeface="Calibri"/>
-              </a:rPr>
-              <a:t>bearbeiten</a:t>
-            </a:r>
-            <a:endParaRPr b="0" lang="de-DE" sz="1800" spc="-1" strike="noStrike">
-              <a:solidFill>
-                <a:srgbClr val="000000"/>
-              </a:solidFill>
-              <a:uFill>
-                <a:solidFill>
-                  <a:srgbClr val="ffffff"/>
-                </a:solidFill>
-              </a:uFill>
-              <a:latin typeface="Calibri"/>
-            </a:endParaRPr>
-          </a:p>
-        </p:txBody>
-      </p:sp>
-      <p:sp>
-        <p:nvSpPr>
-          <p:cNvPr id="1" name="PlaceHolder 2"/>
+            <a:endParaRPr lang="de-DE" sz="1800" b="0" strike="noStrike" spc="-1">
+              <a:solidFill>
+                <a:srgbClr val="000000"/>
+              </a:solidFill>
+              <a:uFill>
+                <a:solidFill>
+                  <a:srgbClr val="FFFFFF"/>
+                </a:solidFill>
+              </a:uFill>
+              <a:latin typeface="Calibri"/>
+            </a:endParaRPr>
+          </a:p>
+        </p:txBody>
+      </p:sp>
+      <p:sp>
+        <p:nvSpPr>
+          <p:cNvPr id="6" name="PlaceHolder 2"/>
           <p:cNvSpPr>
             <a:spLocks noGrp="1"/>
           </p:cNvSpPr>
@@ -3070,6 +3277,7 @@
         </p:spPr>
         <p:txBody>
           <a:bodyPr anchor="ctr"/>
+          <a:lstStyle/>
           <a:p>
             <a:pPr>
               <a:lnSpc>
@@ -3077,26 +3285,26 @@
               </a:lnSpc>
             </a:pPr>
             <a:r>
-              <a:rPr b="0" lang="en-US" sz="1200" spc="-1" strike="noStrike">
-                <a:solidFill>
-                  <a:srgbClr val="8b8b8b"/>
+              <a:rPr lang="en-US" sz="1200" b="0" strike="noStrike" spc="-1">
+                <a:solidFill>
+                  <a:srgbClr val="8B8B8B"/>
                 </a:solidFill>
                 <a:uFill>
                   <a:solidFill>
-                    <a:srgbClr val="ffffff"/>
+                    <a:srgbClr val="FFFFFF"/>
                   </a:solidFill>
                 </a:uFill>
                 <a:latin typeface="Calibri"/>
               </a:rPr>
               <a:t>7/9/18</a:t>
             </a:r>
-            <a:endParaRPr b="0" lang="en-US" sz="1400" spc="-1" strike="noStrike">
-              <a:solidFill>
-                <a:srgbClr val="000000"/>
-              </a:solidFill>
-              <a:uFill>
-                <a:solidFill>
-                  <a:srgbClr val="ffffff"/>
+            <a:endParaRPr lang="en-US" sz="1400" b="0" strike="noStrike" spc="-1">
+              <a:solidFill>
+                <a:srgbClr val="000000"/>
+              </a:solidFill>
+              <a:uFill>
+                <a:solidFill>
+                  <a:srgbClr val="FFFFFF"/>
                 </a:solidFill>
               </a:uFill>
               <a:latin typeface="Times New Roman"/>
@@ -3125,14 +3333,15 @@
         </p:spPr>
         <p:txBody>
           <a:bodyPr anchor="ctr"/>
-          <a:p>
-            <a:endParaRPr b="0" lang="en-US" sz="2400" spc="-1" strike="noStrike">
-              <a:solidFill>
-                <a:srgbClr val="000000"/>
-              </a:solidFill>
-              <a:uFill>
-                <a:solidFill>
-                  <a:srgbClr val="ffffff"/>
+          <a:lstStyle/>
+          <a:p>
+            <a:endParaRPr lang="en-US" sz="2400" b="0" strike="noStrike" spc="-1">
+              <a:solidFill>
+                <a:srgbClr val="000000"/>
+              </a:solidFill>
+              <a:uFill>
+                <a:solidFill>
+                  <a:srgbClr val="FFFFFF"/>
                 </a:solidFill>
               </a:uFill>
               <a:latin typeface="Times New Roman"/>
@@ -3161,6 +3370,7 @@
         </p:spPr>
         <p:txBody>
           <a:bodyPr anchor="ctr"/>
+          <a:lstStyle/>
           <a:p>
             <a:pPr algn="r">
               <a:lnSpc>
@@ -3168,26 +3378,31 @@
               </a:lnSpc>
             </a:pPr>
             <a:fld id="{CA831940-1E1B-440F-9847-3439E4038FAF}" type="slidenum">
-              <a:rPr b="0" lang="en-US" sz="1200" spc="-1" strike="noStrike">
-                <a:solidFill>
-                  <a:srgbClr val="8b8b8b"/>
+              <a:rPr lang="en-US" sz="1200" b="0" strike="noStrike" spc="-1">
+                <a:solidFill>
+                  <a:srgbClr val="8B8B8B"/>
                 </a:solidFill>
                 <a:uFill>
                   <a:solidFill>
-                    <a:srgbClr val="ffffff"/>
+                    <a:srgbClr val="FFFFFF"/>
                   </a:solidFill>
                 </a:uFill>
                 <a:latin typeface="Calibri"/>
               </a:rPr>
-              <a:t>&lt;number&gt;</a:t>
+              <a:pPr algn="r">
+                <a:lnSpc>
+                  <a:spcPct val="100000"/>
+                </a:lnSpc>
+              </a:pPr>
+              <a:t>‹Nr.›</a:t>
             </a:fld>
-            <a:endParaRPr b="0" lang="en-US" sz="1400" spc="-1" strike="noStrike">
-              <a:solidFill>
-                <a:srgbClr val="000000"/>
-              </a:solidFill>
-              <a:uFill>
-                <a:solidFill>
-                  <a:srgbClr val="ffffff"/>
+            <a:endParaRPr lang="en-US" sz="1400" b="0" strike="noStrike" spc="-1">
+              <a:solidFill>
+                <a:srgbClr val="000000"/>
+              </a:solidFill>
+              <a:uFill>
+                <a:solidFill>
+                  <a:srgbClr val="FFFFFF"/>
                 </a:solidFill>
               </a:uFill>
               <a:latin typeface="Times New Roman"/>
@@ -3215,7 +3430,8 @@
           </a:prstGeom>
         </p:spPr>
         <p:txBody>
-          <a:bodyPr lIns="0" rIns="0" tIns="0" bIns="0"/>
+          <a:bodyPr lIns="0" tIns="0" rIns="0" bIns="0"/>
+          <a:lstStyle/>
           <a:p>
             <a:pPr marL="432000" indent="-324000">
               <a:buClr>
@@ -3226,33 +3442,22 @@
               <a:buChar char=""/>
             </a:pPr>
             <a:r>
-              <a:rPr b="0" lang="de-DE" sz="3200" spc="-1" strike="noStrike">
+              <a:rPr lang="de-DE" sz="3200" b="0" strike="noStrike" spc="-1">
                 <a:solidFill>
                   <a:srgbClr val="000000"/>
                 </a:solidFill>
                 <a:uFill>
                   <a:solidFill>
-                    <a:srgbClr val="ffffff"/>
+                    <a:srgbClr val="FFFFFF"/>
                   </a:solidFill>
                 </a:uFill>
                 <a:latin typeface="Calibri"/>
               </a:rPr>
               <a:t>Click to edit the outline text format</a:t>
             </a:r>
-            <a:endParaRPr b="0" lang="de-DE" sz="3200" spc="-1" strike="noStrike">
-              <a:solidFill>
-                <a:srgbClr val="000000"/>
-              </a:solidFill>
-              <a:uFill>
-                <a:solidFill>
-                  <a:srgbClr val="ffffff"/>
-                </a:solidFill>
-              </a:uFill>
-              <a:latin typeface="Calibri"/>
-            </a:endParaRPr>
-          </a:p>
-          <a:p>
-            <a:pPr lvl="1" marL="864000" indent="-324000">
+          </a:p>
+          <a:p>
+            <a:pPr marL="864000" lvl="1" indent="-324000">
               <a:buClr>
                 <a:srgbClr val="000000"/>
               </a:buClr>
@@ -3261,33 +3466,22 @@
               <a:buChar char=""/>
             </a:pPr>
             <a:r>
-              <a:rPr b="0" lang="de-DE" sz="2400" spc="-1" strike="noStrike">
+              <a:rPr lang="de-DE" sz="2400" b="0" strike="noStrike" spc="-1">
                 <a:solidFill>
                   <a:srgbClr val="000000"/>
                 </a:solidFill>
                 <a:uFill>
                   <a:solidFill>
-                    <a:srgbClr val="ffffff"/>
+                    <a:srgbClr val="FFFFFF"/>
                   </a:solidFill>
                 </a:uFill>
                 <a:latin typeface="Calibri"/>
               </a:rPr>
               <a:t>Second Outline Level</a:t>
             </a:r>
-            <a:endParaRPr b="0" lang="de-DE" sz="2400" spc="-1" strike="noStrike">
-              <a:solidFill>
-                <a:srgbClr val="000000"/>
-              </a:solidFill>
-              <a:uFill>
-                <a:solidFill>
-                  <a:srgbClr val="ffffff"/>
-                </a:solidFill>
-              </a:uFill>
-              <a:latin typeface="Calibri"/>
-            </a:endParaRPr>
-          </a:p>
-          <a:p>
-            <a:pPr lvl="2" marL="1296000" indent="-288000">
+          </a:p>
+          <a:p>
+            <a:pPr marL="1296000" lvl="2" indent="-288000">
               <a:buClr>
                 <a:srgbClr val="000000"/>
               </a:buClr>
@@ -3296,33 +3490,22 @@
               <a:buChar char=""/>
             </a:pPr>
             <a:r>
-              <a:rPr b="0" lang="de-DE" sz="2000" spc="-1" strike="noStrike">
+              <a:rPr lang="de-DE" sz="2000" b="0" strike="noStrike" spc="-1">
                 <a:solidFill>
                   <a:srgbClr val="000000"/>
                 </a:solidFill>
                 <a:uFill>
                   <a:solidFill>
-                    <a:srgbClr val="ffffff"/>
+                    <a:srgbClr val="FFFFFF"/>
                   </a:solidFill>
                 </a:uFill>
                 <a:latin typeface="Calibri"/>
               </a:rPr>
               <a:t>Third Outline Level</a:t>
             </a:r>
-            <a:endParaRPr b="0" lang="de-DE" sz="2000" spc="-1" strike="noStrike">
-              <a:solidFill>
-                <a:srgbClr val="000000"/>
-              </a:solidFill>
-              <a:uFill>
-                <a:solidFill>
-                  <a:srgbClr val="ffffff"/>
-                </a:solidFill>
-              </a:uFill>
-              <a:latin typeface="Calibri"/>
-            </a:endParaRPr>
-          </a:p>
-          <a:p>
-            <a:pPr lvl="3" marL="1728000" indent="-216000">
+          </a:p>
+          <a:p>
+            <a:pPr marL="1728000" lvl="3" indent="-216000">
               <a:buClr>
                 <a:srgbClr val="000000"/>
               </a:buClr>
@@ -3331,33 +3514,22 @@
               <a:buChar char=""/>
             </a:pPr>
             <a:r>
-              <a:rPr b="0" lang="de-DE" sz="2000" spc="-1" strike="noStrike">
+              <a:rPr lang="de-DE" sz="2000" b="0" strike="noStrike" spc="-1">
                 <a:solidFill>
                   <a:srgbClr val="000000"/>
                 </a:solidFill>
                 <a:uFill>
                   <a:solidFill>
-                    <a:srgbClr val="ffffff"/>
+                    <a:srgbClr val="FFFFFF"/>
                   </a:solidFill>
                 </a:uFill>
                 <a:latin typeface="Calibri"/>
               </a:rPr>
               <a:t>Fourth Outline Level</a:t>
             </a:r>
-            <a:endParaRPr b="0" lang="de-DE" sz="2000" spc="-1" strike="noStrike">
-              <a:solidFill>
-                <a:srgbClr val="000000"/>
-              </a:solidFill>
-              <a:uFill>
-                <a:solidFill>
-                  <a:srgbClr val="ffffff"/>
-                </a:solidFill>
-              </a:uFill>
-              <a:latin typeface="Calibri"/>
-            </a:endParaRPr>
-          </a:p>
-          <a:p>
-            <a:pPr lvl="4" marL="2160000" indent="-216000">
+          </a:p>
+          <a:p>
+            <a:pPr marL="2160000" lvl="4" indent="-216000">
               <a:buClr>
                 <a:srgbClr val="000000"/>
               </a:buClr>
@@ -3366,33 +3538,22 @@
               <a:buChar char=""/>
             </a:pPr>
             <a:r>
-              <a:rPr b="0" lang="de-DE" sz="2000" spc="-1" strike="noStrike">
+              <a:rPr lang="de-DE" sz="2000" b="0" strike="noStrike" spc="-1">
                 <a:solidFill>
                   <a:srgbClr val="000000"/>
                 </a:solidFill>
                 <a:uFill>
                   <a:solidFill>
-                    <a:srgbClr val="ffffff"/>
+                    <a:srgbClr val="FFFFFF"/>
                   </a:solidFill>
                 </a:uFill>
                 <a:latin typeface="Calibri"/>
               </a:rPr>
               <a:t>Fifth Outline Level</a:t>
             </a:r>
-            <a:endParaRPr b="0" lang="de-DE" sz="2000" spc="-1" strike="noStrike">
-              <a:solidFill>
-                <a:srgbClr val="000000"/>
-              </a:solidFill>
-              <a:uFill>
-                <a:solidFill>
-                  <a:srgbClr val="ffffff"/>
-                </a:solidFill>
-              </a:uFill>
-              <a:latin typeface="Calibri"/>
-            </a:endParaRPr>
-          </a:p>
-          <a:p>
-            <a:pPr lvl="5" marL="2592000" indent="-216000">
+          </a:p>
+          <a:p>
+            <a:pPr marL="2592000" lvl="5" indent="-216000">
               <a:buClr>
                 <a:srgbClr val="000000"/>
               </a:buClr>
@@ -3401,33 +3562,22 @@
               <a:buChar char=""/>
             </a:pPr>
             <a:r>
-              <a:rPr b="0" lang="de-DE" sz="2000" spc="-1" strike="noStrike">
+              <a:rPr lang="de-DE" sz="2000" b="0" strike="noStrike" spc="-1">
                 <a:solidFill>
                   <a:srgbClr val="000000"/>
                 </a:solidFill>
                 <a:uFill>
                   <a:solidFill>
-                    <a:srgbClr val="ffffff"/>
+                    <a:srgbClr val="FFFFFF"/>
                   </a:solidFill>
                 </a:uFill>
                 <a:latin typeface="Calibri"/>
               </a:rPr>
               <a:t>Sixth Outline Level</a:t>
             </a:r>
-            <a:endParaRPr b="0" lang="de-DE" sz="2000" spc="-1" strike="noStrike">
-              <a:solidFill>
-                <a:srgbClr val="000000"/>
-              </a:solidFill>
-              <a:uFill>
-                <a:solidFill>
-                  <a:srgbClr val="ffffff"/>
-                </a:solidFill>
-              </a:uFill>
-              <a:latin typeface="Calibri"/>
-            </a:endParaRPr>
-          </a:p>
-          <a:p>
-            <a:pPr lvl="6" marL="3024000" indent="-216000">
+          </a:p>
+          <a:p>
+            <a:pPr marL="3024000" lvl="6" indent="-216000">
               <a:buClr>
                 <a:srgbClr val="000000"/>
               </a:buClr>
@@ -3436,61 +3586,56 @@
               <a:buChar char=""/>
             </a:pPr>
             <a:r>
-              <a:rPr b="0" lang="de-DE" sz="2000" spc="-1" strike="noStrike">
+              <a:rPr lang="de-DE" sz="2000" b="0" strike="noStrike" spc="-1">
                 <a:solidFill>
                   <a:srgbClr val="000000"/>
                 </a:solidFill>
                 <a:uFill>
                   <a:solidFill>
-                    <a:srgbClr val="ffffff"/>
+                    <a:srgbClr val="FFFFFF"/>
                   </a:solidFill>
                 </a:uFill>
                 <a:latin typeface="Calibri"/>
               </a:rPr>
               <a:t>Seventh Outline Level</a:t>
             </a:r>
-            <a:endParaRPr b="0" lang="de-DE" sz="2000" spc="-1" strike="noStrike">
-              <a:solidFill>
-                <a:srgbClr val="000000"/>
-              </a:solidFill>
-              <a:uFill>
-                <a:solidFill>
-                  <a:srgbClr val="ffffff"/>
-                </a:solidFill>
-              </a:uFill>
-              <a:latin typeface="Calibri"/>
-            </a:endParaRPr>
           </a:p>
         </p:txBody>
       </p:sp>
     </p:spTree>
   </p:cSld>
-  <p:clrMap bg1="lt1" bg2="lt2" tx1="dk1" tx2="dk2" accent1="accent1" accent2="accent2" accent3="accent3" accent4="accent4" accent5="accent5" accent6="accent6" hlink="hlink" folHlink="folHlink"/>
+  <p:clrMap bg1="lt1" tx1="dk1" bg2="lt2" tx2="dk2" accent1="accent1" accent2="accent2" accent3="accent3" accent4="accent4" accent5="accent5" accent6="accent6" hlink="hlink" folHlink="folHlink"/>
   <p:sldLayoutIdLst>
-    <p:sldLayoutId id="2147483649" r:id="rId2"/>
-    <p:sldLayoutId id="2147483650" r:id="rId3"/>
-    <p:sldLayoutId id="2147483651" r:id="rId4"/>
-    <p:sldLayoutId id="2147483652" r:id="rId5"/>
-    <p:sldLayoutId id="2147483653" r:id="rId6"/>
-    <p:sldLayoutId id="2147483654" r:id="rId7"/>
-    <p:sldLayoutId id="2147483655" r:id="rId8"/>
-    <p:sldLayoutId id="2147483656" r:id="rId9"/>
-    <p:sldLayoutId id="2147483657" r:id="rId10"/>
-    <p:sldLayoutId id="2147483658" r:id="rId11"/>
-    <p:sldLayoutId id="2147483659" r:id="rId12"/>
-    <p:sldLayoutId id="2147483660" r:id="rId13"/>
+    <p:sldLayoutId id="2147483649" r:id="rId1"/>
+    <p:sldLayoutId id="2147483650" r:id="rId2"/>
+    <p:sldLayoutId id="2147483651" r:id="rId3"/>
+    <p:sldLayoutId id="2147483652" r:id="rId4"/>
+    <p:sldLayoutId id="2147483653" r:id="rId5"/>
+    <p:sldLayoutId id="2147483654" r:id="rId6"/>
+    <p:sldLayoutId id="2147483655" r:id="rId7"/>
+    <p:sldLayoutId id="2147483656" r:id="rId8"/>
+    <p:sldLayoutId id="2147483657" r:id="rId9"/>
+    <p:sldLayoutId id="2147483658" r:id="rId10"/>
+    <p:sldLayoutId id="2147483659" r:id="rId11"/>
+    <p:sldLayoutId id="2147483660" r:id="rId12"/>
   </p:sldLayoutIdLst>
+  <p:txStyles>
+    <p:titleStyle/>
+    <p:bodyStyle/>
+    <p:otherStyle/>
+  </p:txStyles>
 </p:sldMaster>
 </file>
 
 <file path=ppt/slideMasters/slideMaster2.xml><?xml version="1.0" encoding="utf-8"?>
-<p:sldMaster xmlns:a="http://schemas.openxmlformats.org/drawingml/2006/main" xmlns:p="http://schemas.openxmlformats.org/presentationml/2006/main" xmlns:r="http://schemas.openxmlformats.org/officeDocument/2006/relationships" xmlns:p14="http://schemas.microsoft.com/office/powerpoint/2010/main" xmlns:p15="http://schemas.microsoft.com/office/powerpoint/2012/main" xmlns:mc="http://schemas.openxmlformats.org/markup-compatibility/2006">
+<p:sldMaster xmlns:a="http://schemas.openxmlformats.org/drawingml/2006/main" xmlns:r="http://schemas.openxmlformats.org/officeDocument/2006/relationships" xmlns:p="http://schemas.openxmlformats.org/presentationml/2006/main">
   <p:cSld>
     <p:bg>
       <p:bgPr>
         <a:solidFill>
-          <a:srgbClr val="ffffff"/>
+          <a:srgbClr val="FFFFFF"/>
         </a:solidFill>
+        <a:effectLst/>
       </p:bgPr>
     </p:bg>
     <p:spTree>
@@ -3528,6 +3673,7 @@
         </p:spPr>
         <p:txBody>
           <a:bodyPr anchor="ctr"/>
+          <a:lstStyle/>
           <a:p>
             <a:pPr algn="ctr">
               <a:lnSpc>
@@ -3535,26 +3681,26 @@
               </a:lnSpc>
             </a:pPr>
             <a:r>
-              <a:rPr b="0" lang="de-DE" sz="4400" spc="-1" strike="noStrike">
+              <a:rPr lang="de-DE" sz="4400" b="0" strike="noStrike" spc="-1">
                 <a:solidFill>
                   <a:srgbClr val="000000"/>
                 </a:solidFill>
                 <a:uFill>
                   <a:solidFill>
-                    <a:srgbClr val="ffffff"/>
+                    <a:srgbClr val="FFFFFF"/>
                   </a:solidFill>
                 </a:uFill>
                 <a:latin typeface="Calibri"/>
               </a:rPr>
               <a:t>Titelmasterformat durch Klicken bearbeiten</a:t>
             </a:r>
-            <a:endParaRPr b="0" lang="de-DE" sz="1800" spc="-1" strike="noStrike">
-              <a:solidFill>
-                <a:srgbClr val="000000"/>
-              </a:solidFill>
-              <a:uFill>
-                <a:solidFill>
-                  <a:srgbClr val="ffffff"/>
+            <a:endParaRPr lang="de-DE" sz="1800" b="0" strike="noStrike" spc="-1">
+              <a:solidFill>
+                <a:srgbClr val="000000"/>
+              </a:solidFill>
+              <a:uFill>
+                <a:solidFill>
+                  <a:srgbClr val="FFFFFF"/>
                 </a:solidFill>
               </a:uFill>
               <a:latin typeface="Calibri"/>
@@ -3583,6 +3729,7 @@
         </p:spPr>
         <p:txBody>
           <a:bodyPr/>
+          <a:lstStyle/>
           <a:p>
             <a:pPr marL="432000" indent="-324000">
               <a:buClr>
@@ -3593,33 +3740,22 @@
               <a:buChar char=""/>
             </a:pPr>
             <a:r>
-              <a:rPr b="0" lang="de-DE" sz="3200" spc="-1" strike="noStrike">
+              <a:rPr lang="de-DE" sz="3200" b="0" strike="noStrike" spc="-1">
                 <a:solidFill>
                   <a:srgbClr val="000000"/>
                 </a:solidFill>
                 <a:uFill>
                   <a:solidFill>
-                    <a:srgbClr val="ffffff"/>
+                    <a:srgbClr val="FFFFFF"/>
                   </a:solidFill>
                 </a:uFill>
                 <a:latin typeface="Calibri"/>
               </a:rPr>
               <a:t>Click to edit the outline text format</a:t>
             </a:r>
-            <a:endParaRPr b="0" lang="de-DE" sz="3200" spc="-1" strike="noStrike">
-              <a:solidFill>
-                <a:srgbClr val="000000"/>
-              </a:solidFill>
-              <a:uFill>
-                <a:solidFill>
-                  <a:srgbClr val="ffffff"/>
-                </a:solidFill>
-              </a:uFill>
-              <a:latin typeface="Calibri"/>
-            </a:endParaRPr>
-          </a:p>
-          <a:p>
-            <a:pPr lvl="1" marL="864000" indent="-324000">
+          </a:p>
+          <a:p>
+            <a:pPr marL="864000" lvl="1" indent="-324000">
               <a:buClr>
                 <a:srgbClr val="000000"/>
               </a:buClr>
@@ -3628,33 +3764,22 @@
               <a:buChar char=""/>
             </a:pPr>
             <a:r>
-              <a:rPr b="0" lang="de-DE" sz="3200" spc="-1" strike="noStrike">
+              <a:rPr lang="de-DE" sz="3200" b="0" strike="noStrike" spc="-1">
                 <a:solidFill>
                   <a:srgbClr val="000000"/>
                 </a:solidFill>
                 <a:uFill>
                   <a:solidFill>
-                    <a:srgbClr val="ffffff"/>
+                    <a:srgbClr val="FFFFFF"/>
                   </a:solidFill>
                 </a:uFill>
                 <a:latin typeface="Calibri"/>
               </a:rPr>
               <a:t>Second Outline Level</a:t>
             </a:r>
-            <a:endParaRPr b="0" lang="de-DE" sz="3200" spc="-1" strike="noStrike">
-              <a:solidFill>
-                <a:srgbClr val="000000"/>
-              </a:solidFill>
-              <a:uFill>
-                <a:solidFill>
-                  <a:srgbClr val="ffffff"/>
-                </a:solidFill>
-              </a:uFill>
-              <a:latin typeface="Calibri"/>
-            </a:endParaRPr>
-          </a:p>
-          <a:p>
-            <a:pPr lvl="2" marL="1296000" indent="-288000">
+          </a:p>
+          <a:p>
+            <a:pPr marL="1296000" lvl="2" indent="-288000">
               <a:buClr>
                 <a:srgbClr val="000000"/>
               </a:buClr>
@@ -3663,33 +3788,22 @@
               <a:buChar char=""/>
             </a:pPr>
             <a:r>
-              <a:rPr b="0" lang="de-DE" sz="3200" spc="-1" strike="noStrike">
+              <a:rPr lang="de-DE" sz="3200" b="0" strike="noStrike" spc="-1">
                 <a:solidFill>
                   <a:srgbClr val="000000"/>
                 </a:solidFill>
                 <a:uFill>
                   <a:solidFill>
-                    <a:srgbClr val="ffffff"/>
+                    <a:srgbClr val="FFFFFF"/>
                   </a:solidFill>
                 </a:uFill>
                 <a:latin typeface="Calibri"/>
               </a:rPr>
               <a:t>Third Outline Level</a:t>
             </a:r>
-            <a:endParaRPr b="0" lang="de-DE" sz="3200" spc="-1" strike="noStrike">
-              <a:solidFill>
-                <a:srgbClr val="000000"/>
-              </a:solidFill>
-              <a:uFill>
-                <a:solidFill>
-                  <a:srgbClr val="ffffff"/>
-                </a:solidFill>
-              </a:uFill>
-              <a:latin typeface="Calibri"/>
-            </a:endParaRPr>
-          </a:p>
-          <a:p>
-            <a:pPr lvl="3" marL="1728000" indent="-216000">
+          </a:p>
+          <a:p>
+            <a:pPr marL="1728000" lvl="3" indent="-216000">
               <a:buClr>
                 <a:srgbClr val="000000"/>
               </a:buClr>
@@ -3698,33 +3812,22 @@
               <a:buChar char=""/>
             </a:pPr>
             <a:r>
-              <a:rPr b="0" lang="de-DE" sz="3200" spc="-1" strike="noStrike">
+              <a:rPr lang="de-DE" sz="3200" b="0" strike="noStrike" spc="-1">
                 <a:solidFill>
                   <a:srgbClr val="000000"/>
                 </a:solidFill>
                 <a:uFill>
                   <a:solidFill>
-                    <a:srgbClr val="ffffff"/>
+                    <a:srgbClr val="FFFFFF"/>
                   </a:solidFill>
                 </a:uFill>
                 <a:latin typeface="Calibri"/>
               </a:rPr>
               <a:t>Fourth Outline Level</a:t>
             </a:r>
-            <a:endParaRPr b="0" lang="de-DE" sz="3200" spc="-1" strike="noStrike">
-              <a:solidFill>
-                <a:srgbClr val="000000"/>
-              </a:solidFill>
-              <a:uFill>
-                <a:solidFill>
-                  <a:srgbClr val="ffffff"/>
-                </a:solidFill>
-              </a:uFill>
-              <a:latin typeface="Calibri"/>
-            </a:endParaRPr>
-          </a:p>
-          <a:p>
-            <a:pPr lvl="4" marL="2160000" indent="-216000">
+          </a:p>
+          <a:p>
+            <a:pPr marL="2160000" lvl="4" indent="-216000">
               <a:buClr>
                 <a:srgbClr val="000000"/>
               </a:buClr>
@@ -3733,33 +3836,22 @@
               <a:buChar char=""/>
             </a:pPr>
             <a:r>
-              <a:rPr b="0" lang="de-DE" sz="3200" spc="-1" strike="noStrike">
+              <a:rPr lang="de-DE" sz="3200" b="0" strike="noStrike" spc="-1">
                 <a:solidFill>
                   <a:srgbClr val="000000"/>
                 </a:solidFill>
                 <a:uFill>
                   <a:solidFill>
-                    <a:srgbClr val="ffffff"/>
+                    <a:srgbClr val="FFFFFF"/>
                   </a:solidFill>
                 </a:uFill>
                 <a:latin typeface="Calibri"/>
               </a:rPr>
               <a:t>Fifth Outline Level</a:t>
             </a:r>
-            <a:endParaRPr b="0" lang="de-DE" sz="3200" spc="-1" strike="noStrike">
-              <a:solidFill>
-                <a:srgbClr val="000000"/>
-              </a:solidFill>
-              <a:uFill>
-                <a:solidFill>
-                  <a:srgbClr val="ffffff"/>
-                </a:solidFill>
-              </a:uFill>
-              <a:latin typeface="Calibri"/>
-            </a:endParaRPr>
-          </a:p>
-          <a:p>
-            <a:pPr lvl="5" marL="2592000" indent="-216000">
+          </a:p>
+          <a:p>
+            <a:pPr marL="2592000" lvl="5" indent="-216000">
               <a:buClr>
                 <a:srgbClr val="000000"/>
               </a:buClr>
@@ -3768,30 +3860,19 @@
               <a:buChar char=""/>
             </a:pPr>
             <a:r>
-              <a:rPr b="0" lang="de-DE" sz="3200" spc="-1" strike="noStrike">
+              <a:rPr lang="de-DE" sz="3200" b="0" strike="noStrike" spc="-1">
                 <a:solidFill>
                   <a:srgbClr val="000000"/>
                 </a:solidFill>
                 <a:uFill>
                   <a:solidFill>
-                    <a:srgbClr val="ffffff"/>
+                    <a:srgbClr val="FFFFFF"/>
                   </a:solidFill>
                 </a:uFill>
                 <a:latin typeface="Calibri"/>
               </a:rPr>
               <a:t>Sixth Outline Level</a:t>
             </a:r>
-            <a:endParaRPr b="0" lang="de-DE" sz="3200" spc="-1" strike="noStrike">
-              <a:solidFill>
-                <a:srgbClr val="000000"/>
-              </a:solidFill>
-              <a:uFill>
-                <a:solidFill>
-                  <a:srgbClr val="ffffff"/>
-                </a:solidFill>
-              </a:uFill>
-              <a:latin typeface="Calibri"/>
-            </a:endParaRPr>
           </a:p>
           <a:p>
             <a:pPr marL="343080" indent="-342720">
@@ -3805,33 +3886,22 @@
               <a:buChar char="•"/>
             </a:pPr>
             <a:r>
-              <a:rPr b="0" lang="de-DE" sz="3200" spc="-1" strike="noStrike">
+              <a:rPr lang="de-DE" sz="3200" b="0" strike="noStrike" spc="-1">
                 <a:solidFill>
                   <a:srgbClr val="000000"/>
                 </a:solidFill>
                 <a:uFill>
                   <a:solidFill>
-                    <a:srgbClr val="ffffff"/>
+                    <a:srgbClr val="FFFFFF"/>
                   </a:solidFill>
                 </a:uFill>
                 <a:latin typeface="Calibri"/>
               </a:rPr>
               <a:t>Seventh Outline LevelTextmasterformate durch Klicken bearbeiten</a:t>
             </a:r>
-            <a:endParaRPr b="0" lang="de-DE" sz="3200" spc="-1" strike="noStrike">
-              <a:solidFill>
-                <a:srgbClr val="000000"/>
-              </a:solidFill>
-              <a:uFill>
-                <a:solidFill>
-                  <a:srgbClr val="ffffff"/>
-                </a:solidFill>
-              </a:uFill>
-              <a:latin typeface="Calibri"/>
-            </a:endParaRPr>
-          </a:p>
-          <a:p>
-            <a:pPr lvl="1" marL="743040" indent="-285480">
+          </a:p>
+          <a:p>
+            <a:pPr marL="743040" lvl="1" indent="-285480">
               <a:lnSpc>
                 <a:spcPct val="100000"/>
               </a:lnSpc>
@@ -3842,33 +3912,33 @@
               <a:buChar char="–"/>
             </a:pPr>
             <a:r>
-              <a:rPr b="0" lang="de-DE" sz="2800" spc="-1" strike="noStrike">
+              <a:rPr lang="de-DE" sz="2800" b="0" strike="noStrike" spc="-1">
                 <a:solidFill>
                   <a:srgbClr val="000000"/>
                 </a:solidFill>
                 <a:uFill>
                   <a:solidFill>
-                    <a:srgbClr val="ffffff"/>
+                    <a:srgbClr val="FFFFFF"/>
                   </a:solidFill>
                 </a:uFill>
                 <a:latin typeface="Calibri"/>
               </a:rPr>
               <a:t>Zweite Ebene</a:t>
             </a:r>
-            <a:endParaRPr b="0" lang="de-DE" sz="3200" spc="-1" strike="noStrike">
-              <a:solidFill>
-                <a:srgbClr val="000000"/>
-              </a:solidFill>
-              <a:uFill>
-                <a:solidFill>
-                  <a:srgbClr val="ffffff"/>
-                </a:solidFill>
-              </a:uFill>
-              <a:latin typeface="Calibri"/>
-            </a:endParaRPr>
-          </a:p>
-          <a:p>
-            <a:pPr lvl="2" marL="1143000" indent="-228240">
+            <a:endParaRPr lang="de-DE" sz="3200" b="0" strike="noStrike" spc="-1">
+              <a:solidFill>
+                <a:srgbClr val="000000"/>
+              </a:solidFill>
+              <a:uFill>
+                <a:solidFill>
+                  <a:srgbClr val="FFFFFF"/>
+                </a:solidFill>
+              </a:uFill>
+              <a:latin typeface="Calibri"/>
+            </a:endParaRPr>
+          </a:p>
+          <a:p>
+            <a:pPr marL="1143000" lvl="2" indent="-228240">
               <a:lnSpc>
                 <a:spcPct val="100000"/>
               </a:lnSpc>
@@ -3879,33 +3949,33 @@
               <a:buChar char="•"/>
             </a:pPr>
             <a:r>
-              <a:rPr b="0" lang="de-DE" sz="2400" spc="-1" strike="noStrike">
+              <a:rPr lang="de-DE" sz="2400" b="0" strike="noStrike" spc="-1">
                 <a:solidFill>
                   <a:srgbClr val="000000"/>
                 </a:solidFill>
                 <a:uFill>
                   <a:solidFill>
-                    <a:srgbClr val="ffffff"/>
+                    <a:srgbClr val="FFFFFF"/>
                   </a:solidFill>
                 </a:uFill>
                 <a:latin typeface="Calibri"/>
               </a:rPr>
               <a:t>Dritte Ebene</a:t>
             </a:r>
-            <a:endParaRPr b="0" lang="de-DE" sz="3200" spc="-1" strike="noStrike">
-              <a:solidFill>
-                <a:srgbClr val="000000"/>
-              </a:solidFill>
-              <a:uFill>
-                <a:solidFill>
-                  <a:srgbClr val="ffffff"/>
-                </a:solidFill>
-              </a:uFill>
-              <a:latin typeface="Calibri"/>
-            </a:endParaRPr>
-          </a:p>
-          <a:p>
-            <a:pPr lvl="3" marL="1600200" indent="-228240">
+            <a:endParaRPr lang="de-DE" sz="3200" b="0" strike="noStrike" spc="-1">
+              <a:solidFill>
+                <a:srgbClr val="000000"/>
+              </a:solidFill>
+              <a:uFill>
+                <a:solidFill>
+                  <a:srgbClr val="FFFFFF"/>
+                </a:solidFill>
+              </a:uFill>
+              <a:latin typeface="Calibri"/>
+            </a:endParaRPr>
+          </a:p>
+          <a:p>
+            <a:pPr marL="1600200" lvl="3" indent="-228240">
               <a:lnSpc>
                 <a:spcPct val="100000"/>
               </a:lnSpc>
@@ -3916,33 +3986,33 @@
               <a:buChar char="–"/>
             </a:pPr>
             <a:r>
-              <a:rPr b="0" lang="de-DE" sz="2000" spc="-1" strike="noStrike">
+              <a:rPr lang="de-DE" sz="2000" b="0" strike="noStrike" spc="-1">
                 <a:solidFill>
                   <a:srgbClr val="000000"/>
                 </a:solidFill>
                 <a:uFill>
                   <a:solidFill>
-                    <a:srgbClr val="ffffff"/>
+                    <a:srgbClr val="FFFFFF"/>
                   </a:solidFill>
                 </a:uFill>
                 <a:latin typeface="Calibri"/>
               </a:rPr>
               <a:t>Vierte Ebene</a:t>
             </a:r>
-            <a:endParaRPr b="0" lang="de-DE" sz="3200" spc="-1" strike="noStrike">
-              <a:solidFill>
-                <a:srgbClr val="000000"/>
-              </a:solidFill>
-              <a:uFill>
-                <a:solidFill>
-                  <a:srgbClr val="ffffff"/>
-                </a:solidFill>
-              </a:uFill>
-              <a:latin typeface="Calibri"/>
-            </a:endParaRPr>
-          </a:p>
-          <a:p>
-            <a:pPr lvl="4" marL="2057400" indent="-228240">
+            <a:endParaRPr lang="de-DE" sz="3200" b="0" strike="noStrike" spc="-1">
+              <a:solidFill>
+                <a:srgbClr val="000000"/>
+              </a:solidFill>
+              <a:uFill>
+                <a:solidFill>
+                  <a:srgbClr val="FFFFFF"/>
+                </a:solidFill>
+              </a:uFill>
+              <a:latin typeface="Calibri"/>
+            </a:endParaRPr>
+          </a:p>
+          <a:p>
+            <a:pPr marL="2057400" lvl="4" indent="-228240">
               <a:lnSpc>
                 <a:spcPct val="100000"/>
               </a:lnSpc>
@@ -3953,26 +4023,26 @@
               <a:buChar char="»"/>
             </a:pPr>
             <a:r>
-              <a:rPr b="0" lang="de-DE" sz="2000" spc="-1" strike="noStrike">
+              <a:rPr lang="de-DE" sz="2000" b="0" strike="noStrike" spc="-1">
                 <a:solidFill>
                   <a:srgbClr val="000000"/>
                 </a:solidFill>
                 <a:uFill>
                   <a:solidFill>
-                    <a:srgbClr val="ffffff"/>
+                    <a:srgbClr val="FFFFFF"/>
                   </a:solidFill>
                 </a:uFill>
                 <a:latin typeface="Calibri"/>
               </a:rPr>
               <a:t>Fünfte Ebene</a:t>
             </a:r>
-            <a:endParaRPr b="0" lang="de-DE" sz="3200" spc="-1" strike="noStrike">
-              <a:solidFill>
-                <a:srgbClr val="000000"/>
-              </a:solidFill>
-              <a:uFill>
-                <a:solidFill>
-                  <a:srgbClr val="ffffff"/>
+            <a:endParaRPr lang="de-DE" sz="3200" b="0" strike="noStrike" spc="-1">
+              <a:solidFill>
+                <a:srgbClr val="000000"/>
+              </a:solidFill>
+              <a:uFill>
+                <a:solidFill>
+                  <a:srgbClr val="FFFFFF"/>
                 </a:solidFill>
               </a:uFill>
               <a:latin typeface="Calibri"/>
@@ -4001,6 +4071,7 @@
         </p:spPr>
         <p:txBody>
           <a:bodyPr anchor="ctr"/>
+          <a:lstStyle/>
           <a:p>
             <a:pPr>
               <a:lnSpc>
@@ -4008,26 +4079,26 @@
               </a:lnSpc>
             </a:pPr>
             <a:r>
-              <a:rPr b="0" lang="en-US" sz="1200" spc="-1" strike="noStrike">
-                <a:solidFill>
-                  <a:srgbClr val="8b8b8b"/>
+              <a:rPr lang="en-US" sz="1200" b="0" strike="noStrike" spc="-1">
+                <a:solidFill>
+                  <a:srgbClr val="8B8B8B"/>
                 </a:solidFill>
                 <a:uFill>
                   <a:solidFill>
-                    <a:srgbClr val="ffffff"/>
+                    <a:srgbClr val="FFFFFF"/>
                   </a:solidFill>
                 </a:uFill>
                 <a:latin typeface="Calibri"/>
               </a:rPr>
               <a:t>7/9/18</a:t>
             </a:r>
-            <a:endParaRPr b="0" lang="en-US" sz="1400" spc="-1" strike="noStrike">
-              <a:solidFill>
-                <a:srgbClr val="000000"/>
-              </a:solidFill>
-              <a:uFill>
-                <a:solidFill>
-                  <a:srgbClr val="ffffff"/>
+            <a:endParaRPr lang="en-US" sz="1400" b="0" strike="noStrike" spc="-1">
+              <a:solidFill>
+                <a:srgbClr val="000000"/>
+              </a:solidFill>
+              <a:uFill>
+                <a:solidFill>
+                  <a:srgbClr val="FFFFFF"/>
                 </a:solidFill>
               </a:uFill>
               <a:latin typeface="Times New Roman"/>
@@ -4056,14 +4127,15 @@
         </p:spPr>
         <p:txBody>
           <a:bodyPr anchor="ctr"/>
-          <a:p>
-            <a:endParaRPr b="0" lang="en-US" sz="2400" spc="-1" strike="noStrike">
-              <a:solidFill>
-                <a:srgbClr val="000000"/>
-              </a:solidFill>
-              <a:uFill>
-                <a:solidFill>
-                  <a:srgbClr val="ffffff"/>
+          <a:lstStyle/>
+          <a:p>
+            <a:endParaRPr lang="en-US" sz="2400" b="0" strike="noStrike" spc="-1">
+              <a:solidFill>
+                <a:srgbClr val="000000"/>
+              </a:solidFill>
+              <a:uFill>
+                <a:solidFill>
+                  <a:srgbClr val="FFFFFF"/>
                 </a:solidFill>
               </a:uFill>
               <a:latin typeface="Times New Roman"/>
@@ -4092,6 +4164,7 @@
         </p:spPr>
         <p:txBody>
           <a:bodyPr anchor="ctr"/>
+          <a:lstStyle/>
           <a:p>
             <a:pPr algn="r">
               <a:lnSpc>
@@ -4099,26 +4172,31 @@
               </a:lnSpc>
             </a:pPr>
             <a:fld id="{5DB70E00-67BF-446C-8A68-CA34B7AA1877}" type="slidenum">
-              <a:rPr b="0" lang="en-US" sz="1200" spc="-1" strike="noStrike">
-                <a:solidFill>
-                  <a:srgbClr val="8b8b8b"/>
+              <a:rPr lang="en-US" sz="1200" b="0" strike="noStrike" spc="-1">
+                <a:solidFill>
+                  <a:srgbClr val="8B8B8B"/>
                 </a:solidFill>
                 <a:uFill>
                   <a:solidFill>
-                    <a:srgbClr val="ffffff"/>
+                    <a:srgbClr val="FFFFFF"/>
                   </a:solidFill>
                 </a:uFill>
                 <a:latin typeface="Calibri"/>
               </a:rPr>
-              <a:t>1</a:t>
+              <a:pPr algn="r">
+                <a:lnSpc>
+                  <a:spcPct val="100000"/>
+                </a:lnSpc>
+              </a:pPr>
+              <a:t>‹Nr.›</a:t>
             </a:fld>
-            <a:endParaRPr b="0" lang="en-US" sz="1400" spc="-1" strike="noStrike">
-              <a:solidFill>
-                <a:srgbClr val="000000"/>
-              </a:solidFill>
-              <a:uFill>
-                <a:solidFill>
-                  <a:srgbClr val="ffffff"/>
+            <a:endParaRPr lang="en-US" sz="1400" b="0" strike="noStrike" spc="-1">
+              <a:solidFill>
+                <a:srgbClr val="000000"/>
+              </a:solidFill>
+              <a:uFill>
+                <a:solidFill>
+                  <a:srgbClr val="FFFFFF"/>
                 </a:solidFill>
               </a:uFill>
               <a:latin typeface="Times New Roman"/>
@@ -4128,26 +4206,31 @@
       </p:sp>
     </p:spTree>
   </p:cSld>
-  <p:clrMap bg1="lt1" bg2="lt2" tx1="dk1" tx2="dk2" accent1="accent1" accent2="accent2" accent3="accent3" accent4="accent4" accent5="accent5" accent6="accent6" hlink="hlink" folHlink="folHlink"/>
+  <p:clrMap bg1="lt1" tx1="dk1" bg2="lt2" tx2="dk2" accent1="accent1" accent2="accent2" accent3="accent3" accent4="accent4" accent5="accent5" accent6="accent6" hlink="hlink" folHlink="folHlink"/>
   <p:sldLayoutIdLst>
-    <p:sldLayoutId id="2147483662" r:id="rId2"/>
-    <p:sldLayoutId id="2147483663" r:id="rId3"/>
-    <p:sldLayoutId id="2147483664" r:id="rId4"/>
-    <p:sldLayoutId id="2147483665" r:id="rId5"/>
-    <p:sldLayoutId id="2147483666" r:id="rId6"/>
-    <p:sldLayoutId id="2147483667" r:id="rId7"/>
-    <p:sldLayoutId id="2147483668" r:id="rId8"/>
-    <p:sldLayoutId id="2147483669" r:id="rId9"/>
-    <p:sldLayoutId id="2147483670" r:id="rId10"/>
-    <p:sldLayoutId id="2147483671" r:id="rId11"/>
-    <p:sldLayoutId id="2147483672" r:id="rId12"/>
-    <p:sldLayoutId id="2147483673" r:id="rId13"/>
+    <p:sldLayoutId id="2147483662" r:id="rId1"/>
+    <p:sldLayoutId id="2147483663" r:id="rId2"/>
+    <p:sldLayoutId id="2147483664" r:id="rId3"/>
+    <p:sldLayoutId id="2147483665" r:id="rId4"/>
+    <p:sldLayoutId id="2147483666" r:id="rId5"/>
+    <p:sldLayoutId id="2147483667" r:id="rId6"/>
+    <p:sldLayoutId id="2147483668" r:id="rId7"/>
+    <p:sldLayoutId id="2147483669" r:id="rId8"/>
+    <p:sldLayoutId id="2147483670" r:id="rId9"/>
+    <p:sldLayoutId id="2147483671" r:id="rId10"/>
+    <p:sldLayoutId id="2147483672" r:id="rId11"/>
+    <p:sldLayoutId id="2147483673" r:id="rId12"/>
   </p:sldLayoutIdLst>
+  <p:txStyles>
+    <p:titleStyle/>
+    <p:bodyStyle/>
+    <p:otherStyle/>
+  </p:txStyles>
 </p:sldMaster>
 </file>
 
 <file path=ppt/slides/slide1.xml><?xml version="1.0" encoding="utf-8"?>
-<p:sld xmlns:a="http://schemas.openxmlformats.org/drawingml/2006/main" xmlns:p="http://schemas.openxmlformats.org/presentationml/2006/main" xmlns:r="http://schemas.openxmlformats.org/officeDocument/2006/relationships" xmlns:p14="http://schemas.microsoft.com/office/powerpoint/2010/main" xmlns:p15="http://schemas.microsoft.com/office/powerpoint/2012/main" xmlns:mc="http://schemas.openxmlformats.org/markup-compatibility/2006">
+<p:sld xmlns:a="http://schemas.openxmlformats.org/drawingml/2006/main" xmlns:r="http://schemas.openxmlformats.org/officeDocument/2006/relationships" xmlns:p="http://schemas.openxmlformats.org/presentationml/2006/main">
   <p:cSld>
     <p:spTree>
       <p:nvGrpSpPr>
@@ -4184,6 +4267,7 @@
         </p:spPr>
         <p:txBody>
           <a:bodyPr anchor="ctr"/>
+          <a:lstStyle/>
           <a:p>
             <a:pPr algn="ctr">
               <a:lnSpc>
@@ -4191,26 +4275,26 @@
               </a:lnSpc>
             </a:pPr>
             <a:r>
-              <a:rPr b="0" lang="de-DE" sz="4400" spc="-1" strike="noStrike">
+              <a:rPr lang="de-DE" sz="4400" b="0" strike="noStrike" spc="-1">
                 <a:solidFill>
                   <a:srgbClr val="000000"/>
                 </a:solidFill>
                 <a:uFill>
                   <a:solidFill>
-                    <a:srgbClr val="ffffff"/>
+                    <a:srgbClr val="FFFFFF"/>
                   </a:solidFill>
                 </a:uFill>
                 <a:latin typeface="Calibri"/>
               </a:rPr>
               <a:t>Teamprojekt Woche 8</a:t>
             </a:r>
-            <a:endParaRPr b="0" lang="de-DE" sz="1800" spc="-1" strike="noStrike">
-              <a:solidFill>
-                <a:srgbClr val="000000"/>
-              </a:solidFill>
-              <a:uFill>
-                <a:solidFill>
-                  <a:srgbClr val="ffffff"/>
+            <a:endParaRPr lang="de-DE" sz="1800" b="0" strike="noStrike" spc="-1">
+              <a:solidFill>
+                <a:srgbClr val="000000"/>
+              </a:solidFill>
+              <a:uFill>
+                <a:solidFill>
+                  <a:srgbClr val="FFFFFF"/>
                 </a:solidFill>
               </a:uFill>
               <a:latin typeface="Calibri"/>
@@ -4239,6 +4323,7 @@
         </p:spPr>
         <p:txBody>
           <a:bodyPr/>
+          <a:lstStyle/>
           <a:p>
             <a:pPr algn="ctr">
               <a:lnSpc>
@@ -4246,26 +4331,26 @@
               </a:lnSpc>
             </a:pPr>
             <a:r>
-              <a:rPr b="0" lang="en-US" sz="3200" spc="-1" strike="noStrike">
-                <a:solidFill>
-                  <a:srgbClr val="8b8b8b"/>
+              <a:rPr lang="en-US" sz="3200" b="0" strike="noStrike" spc="-1">
+                <a:solidFill>
+                  <a:srgbClr val="8B8B8B"/>
                 </a:solidFill>
                 <a:uFill>
                   <a:solidFill>
-                    <a:srgbClr val="ffffff"/>
+                    <a:srgbClr val="FFFFFF"/>
                   </a:solidFill>
                 </a:uFill>
                 <a:latin typeface="Calibri"/>
               </a:rPr>
               <a:t>Nantia, Lina, Lisa</a:t>
             </a:r>
-            <a:endParaRPr b="0" lang="en-US" sz="3200" spc="-1" strike="noStrike">
-              <a:solidFill>
-                <a:srgbClr val="000000"/>
-              </a:solidFill>
-              <a:uFill>
-                <a:solidFill>
-                  <a:srgbClr val="ffffff"/>
+            <a:endParaRPr lang="en-US" sz="3200" b="0" strike="noStrike" spc="-1">
+              <a:solidFill>
+                <a:srgbClr val="000000"/>
+              </a:solidFill>
+              <a:uFill>
+                <a:solidFill>
+                  <a:srgbClr val="FFFFFF"/>
                 </a:solidFill>
               </a:uFill>
               <a:latin typeface="Arial"/>
@@ -4275,6 +4360,9 @@
       </p:sp>
     </p:spTree>
   </p:cSld>
+  <p:clrMapOvr>
+    <a:masterClrMapping/>
+  </p:clrMapOvr>
   <p:timing>
     <p:tnLst>
       <p:par>
@@ -4283,14 +4371,14 @@
             <p:seq>
               <p:cTn id="2" nodeType="mainSeq"/>
               <p:prevCondLst>
-                <p:cond delay="0" evt="onPrev">
+                <p:cond evt="onPrev" delay="0">
                   <p:tgtEl>
                     <p:sldTgt/>
                   </p:tgtEl>
                 </p:cond>
               </p:prevCondLst>
               <p:nextCondLst>
-                <p:cond delay="0" evt="onNext">
+                <p:cond evt="onNext" delay="0">
                   <p:tgtEl>
                     <p:sldTgt/>
                   </p:tgtEl>
@@ -4306,7 +4394,7 @@
 </file>
 
 <file path=ppt/slides/slide2.xml><?xml version="1.0" encoding="utf-8"?>
-<p:sld xmlns:a="http://schemas.openxmlformats.org/drawingml/2006/main" xmlns:p="http://schemas.openxmlformats.org/presentationml/2006/main" xmlns:r="http://schemas.openxmlformats.org/officeDocument/2006/relationships" xmlns:p14="http://schemas.microsoft.com/office/powerpoint/2010/main" xmlns:p15="http://schemas.microsoft.com/office/powerpoint/2012/main" xmlns:mc="http://schemas.openxmlformats.org/markup-compatibility/2006">
+<p:sld xmlns:a="http://schemas.openxmlformats.org/drawingml/2006/main" xmlns:r="http://schemas.openxmlformats.org/officeDocument/2006/relationships" xmlns:p="http://schemas.openxmlformats.org/presentationml/2006/main">
   <p:cSld>
     <p:spTree>
       <p:nvGrpSpPr>
@@ -4342,7 +4430,8 @@
           </a:ln>
         </p:spPr>
         <p:txBody>
-          <a:bodyPr lIns="0" rIns="0" tIns="0" bIns="0"/>
+          <a:bodyPr lIns="0" tIns="0" rIns="0" bIns="0"/>
+          <a:lstStyle/>
           <a:p>
             <a:pPr marL="432000" indent="-324000">
               <a:buClr>
@@ -4353,30 +4442,19 @@
               <a:buChar char=""/>
             </a:pPr>
             <a:r>
-              <a:rPr b="0" lang="de-DE" sz="3200" spc="-1" strike="noStrike">
+              <a:rPr lang="de-DE" sz="3200" b="0" strike="noStrike" spc="-1">
                 <a:solidFill>
                   <a:srgbClr val="000000"/>
                 </a:solidFill>
                 <a:uFill>
                   <a:solidFill>
-                    <a:srgbClr val="ffffff"/>
+                    <a:srgbClr val="FFFFFF"/>
                   </a:solidFill>
                 </a:uFill>
                 <a:latin typeface="Calibri"/>
               </a:rPr>
               <a:t>Refactoring</a:t>
             </a:r>
-            <a:endParaRPr b="0" lang="de-DE" sz="3200" spc="-1" strike="noStrike">
-              <a:solidFill>
-                <a:srgbClr val="000000"/>
-              </a:solidFill>
-              <a:uFill>
-                <a:solidFill>
-                  <a:srgbClr val="ffffff"/>
-                </a:solidFill>
-              </a:uFill>
-              <a:latin typeface="Calibri"/>
-            </a:endParaRPr>
           </a:p>
           <a:p>
             <a:pPr marL="432000" indent="-324000">
@@ -4388,26 +4466,26 @@
               <a:buChar char=""/>
             </a:pPr>
             <a:r>
-              <a:rPr b="0" lang="de-DE" sz="2600" spc="-1" strike="noStrike">
+              <a:rPr lang="de-DE" sz="2600" b="0" strike="noStrike" spc="-1">
                 <a:solidFill>
                   <a:srgbClr val="000000"/>
                 </a:solidFill>
                 <a:uFill>
                   <a:solidFill>
-                    <a:srgbClr val="ffffff"/>
+                    <a:srgbClr val="FFFFFF"/>
                   </a:solidFill>
                 </a:uFill>
                 <a:latin typeface="Calibri"/>
               </a:rPr>
               <a:t>Model, mzTab Parser, Checkboxen etc in main Klasse, </a:t>
             </a:r>
-            <a:endParaRPr b="0" lang="de-DE" sz="3200" spc="-1" strike="noStrike">
-              <a:solidFill>
-                <a:srgbClr val="000000"/>
-              </a:solidFill>
-              <a:uFill>
-                <a:solidFill>
-                  <a:srgbClr val="ffffff"/>
+            <a:endParaRPr lang="de-DE" sz="3200" b="0" strike="noStrike" spc="-1">
+              <a:solidFill>
+                <a:srgbClr val="000000"/>
+              </a:solidFill>
+              <a:uFill>
+                <a:solidFill>
+                  <a:srgbClr val="FFFFFF"/>
                 </a:solidFill>
               </a:uFill>
               <a:latin typeface="Calibri"/>
@@ -4423,26 +4501,26 @@
               <a:buChar char=""/>
             </a:pPr>
             <a:r>
-              <a:rPr b="0" lang="de-DE" sz="2600" spc="-1" strike="noStrike">
+              <a:rPr lang="de-DE" sz="2600" b="0" strike="noStrike" spc="-1">
                 <a:solidFill>
                   <a:srgbClr val="000000"/>
                 </a:solidFill>
                 <a:uFill>
                   <a:solidFill>
-                    <a:srgbClr val="ffffff"/>
+                    <a:srgbClr val="FFFFFF"/>
                   </a:solidFill>
                 </a:uFill>
                 <a:latin typeface="Calibri"/>
               </a:rPr>
               <a:t>2 neue Klassen für die Tabellen</a:t>
             </a:r>
-            <a:endParaRPr b="0" lang="de-DE" sz="3200" spc="-1" strike="noStrike">
-              <a:solidFill>
-                <a:srgbClr val="000000"/>
-              </a:solidFill>
-              <a:uFill>
-                <a:solidFill>
-                  <a:srgbClr val="ffffff"/>
+            <a:endParaRPr lang="de-DE" sz="3200" b="0" strike="noStrike" spc="-1">
+              <a:solidFill>
+                <a:srgbClr val="000000"/>
+              </a:solidFill>
+              <a:uFill>
+                <a:solidFill>
+                  <a:srgbClr val="FFFFFF"/>
                 </a:solidFill>
               </a:uFill>
               <a:latin typeface="Calibri"/>
@@ -4458,30 +4536,19 @@
               <a:buChar char=""/>
             </a:pPr>
             <a:r>
-              <a:rPr b="0" lang="de-DE" sz="3200" spc="-1" strike="noStrike">
+              <a:rPr lang="de-DE" sz="3200" b="0" strike="noStrike" spc="-1">
                 <a:solidFill>
                   <a:srgbClr val="000000"/>
                 </a:solidFill>
                 <a:uFill>
                   <a:solidFill>
-                    <a:srgbClr val="ffffff"/>
+                    <a:srgbClr val="FFFFFF"/>
                   </a:solidFill>
                 </a:uFill>
                 <a:latin typeface="Calibri"/>
               </a:rPr>
               <a:t> </a:t>
             </a:r>
-            <a:endParaRPr b="0" lang="de-DE" sz="3200" spc="-1" strike="noStrike">
-              <a:solidFill>
-                <a:srgbClr val="000000"/>
-              </a:solidFill>
-              <a:uFill>
-                <a:solidFill>
-                  <a:srgbClr val="ffffff"/>
-                </a:solidFill>
-              </a:uFill>
-              <a:latin typeface="Calibri"/>
-            </a:endParaRPr>
           </a:p>
           <a:p>
             <a:pPr marL="432000" indent="-324000">
@@ -4493,51 +4560,43 @@
               <a:buChar char=""/>
             </a:pPr>
             <a:r>
-              <a:rPr b="0" lang="de-DE" sz="3200" spc="-1" strike="noStrike">
+              <a:rPr lang="de-DE" sz="3200" b="0" strike="noStrike" spc="-1">
                 <a:solidFill>
                   <a:srgbClr val="000000"/>
                 </a:solidFill>
                 <a:uFill>
                   <a:solidFill>
-                    <a:srgbClr val="ffffff"/>
+                    <a:srgbClr val="FFFFFF"/>
                   </a:solidFill>
                 </a:uFill>
                 <a:latin typeface="Calibri"/>
               </a:rPr>
               <a:t>Kommentare</a:t>
             </a:r>
-            <a:endParaRPr b="0" lang="de-DE" sz="3200" spc="-1" strike="noStrike">
-              <a:solidFill>
-                <a:srgbClr val="000000"/>
-              </a:solidFill>
-              <a:uFill>
-                <a:solidFill>
-                  <a:srgbClr val="ffffff"/>
-                </a:solidFill>
-              </a:uFill>
-              <a:latin typeface="Calibri"/>
-            </a:endParaRPr>
           </a:p>
         </p:txBody>
       </p:sp>
     </p:spTree>
   </p:cSld>
+  <p:clrMapOvr>
+    <a:masterClrMapping/>
+  </p:clrMapOvr>
   <p:timing>
     <p:tnLst>
       <p:par>
-        <p:cTn id="3" dur="indefinite" restart="never" nodeType="tmRoot">
+        <p:cTn id="1" dur="indefinite" restart="never" nodeType="tmRoot">
           <p:childTnLst>
             <p:seq>
-              <p:cTn id="4" nodeType="mainSeq"/>
+              <p:cTn id="2" nodeType="mainSeq"/>
               <p:prevCondLst>
-                <p:cond delay="0" evt="onPrev">
+                <p:cond evt="onPrev" delay="0">
                   <p:tgtEl>
                     <p:sldTgt/>
                   </p:tgtEl>
                 </p:cond>
               </p:prevCondLst>
               <p:nextCondLst>
-                <p:cond delay="0" evt="onNext">
+                <p:cond evt="onNext" delay="0">
                   <p:tgtEl>
                     <p:sldTgt/>
                   </p:tgtEl>
@@ -4549,6 +4608,362 @@
       </p:par>
     </p:tnLst>
   </p:timing>
+</p:sld>
+</file>
+
+<file path=ppt/slides/slide3.xml><?xml version="1.0" encoding="utf-8"?>
+<p:sld xmlns:a="http://schemas.openxmlformats.org/drawingml/2006/main" xmlns:r="http://schemas.openxmlformats.org/officeDocument/2006/relationships" xmlns:p="http://schemas.openxmlformats.org/presentationml/2006/main">
+  <p:cSld>
+    <p:spTree>
+      <p:nvGrpSpPr>
+        <p:cNvPr id="1" name=""/>
+        <p:cNvGrpSpPr/>
+        <p:nvPr/>
+      </p:nvGrpSpPr>
+      <p:grpSpPr>
+        <a:xfrm>
+          <a:off x="0" y="0"/>
+          <a:ext cx="0" cy="0"/>
+          <a:chOff x="0" y="0"/>
+          <a:chExt cx="0" cy="0"/>
+        </a:xfrm>
+      </p:grpSpPr>
+      <p:sp>
+        <p:nvSpPr>
+          <p:cNvPr id="2" name="Titel 1"/>
+          <p:cNvSpPr>
+            <a:spLocks noGrp="1"/>
+          </p:cNvSpPr>
+          <p:nvPr>
+            <p:ph type="title"/>
+          </p:nvPr>
+        </p:nvSpPr>
+        <p:spPr>
+          <a:xfrm>
+            <a:off x="500034" y="285728"/>
+            <a:ext cx="7772040" cy="1469520"/>
+          </a:xfrm>
+        </p:spPr>
+        <p:txBody>
+          <a:bodyPr/>
+          <a:lstStyle/>
+          <a:p>
+            <a:r>
+              <a:rPr lang="de-DE" sz="2400" dirty="0" err="1" smtClean="0">
+                <a:latin typeface="Calibri" pitchFamily="34" charset="0"/>
+                <a:cs typeface="Calibri" pitchFamily="34" charset="0"/>
+              </a:rPr>
+              <a:t>Peptidauswahl</a:t>
+            </a:r>
+            <a:r>
+              <a:rPr lang="de-DE" sz="2400" smtClean="0">
+                <a:latin typeface="Calibri" pitchFamily="34" charset="0"/>
+                <a:cs typeface="Calibri" pitchFamily="34" charset="0"/>
+              </a:rPr>
+              <a:t> funktioniert</a:t>
+            </a:r>
+            <a:endParaRPr lang="de-DE" sz="2400" dirty="0">
+              <a:latin typeface="Calibri" pitchFamily="34" charset="0"/>
+              <a:cs typeface="Calibri" pitchFamily="34" charset="0"/>
+            </a:endParaRPr>
+          </a:p>
+        </p:txBody>
+      </p:sp>
+      <p:pic>
+        <p:nvPicPr>
+          <p:cNvPr id="1026" name="Picture 2"/>
+          <p:cNvPicPr>
+            <a:picLocks noChangeAspect="1" noChangeArrowheads="1"/>
+          </p:cNvPicPr>
+          <p:nvPr/>
+        </p:nvPicPr>
+        <p:blipFill>
+          <a:blip r:embed="rId2"/>
+          <a:srcRect/>
+          <a:stretch>
+            <a:fillRect/>
+          </a:stretch>
+        </p:blipFill>
+        <p:spPr bwMode="auto">
+          <a:xfrm>
+            <a:off x="500034" y="2071678"/>
+            <a:ext cx="7856792" cy="4214842"/>
+          </a:xfrm>
+          <a:prstGeom prst="rect">
+            <a:avLst/>
+          </a:prstGeom>
+          <a:noFill/>
+          <a:ln w="9525">
+            <a:noFill/>
+            <a:miter lim="800000"/>
+            <a:headEnd/>
+            <a:tailEnd/>
+          </a:ln>
+          <a:effectLst/>
+        </p:spPr>
+      </p:pic>
+    </p:spTree>
+  </p:cSld>
+  <p:clrMapOvr>
+    <a:masterClrMapping/>
+  </p:clrMapOvr>
+</p:sld>
+</file>
+
+<file path=ppt/slides/slide4.xml><?xml version="1.0" encoding="utf-8"?>
+<p:sld xmlns:a="http://schemas.openxmlformats.org/drawingml/2006/main" xmlns:r="http://schemas.openxmlformats.org/officeDocument/2006/relationships" xmlns:p="http://schemas.openxmlformats.org/presentationml/2006/main">
+  <p:cSld>
+    <p:spTree>
+      <p:nvGrpSpPr>
+        <p:cNvPr id="1" name=""/>
+        <p:cNvGrpSpPr/>
+        <p:nvPr/>
+      </p:nvGrpSpPr>
+      <p:grpSpPr>
+        <a:xfrm>
+          <a:off x="0" y="0"/>
+          <a:ext cx="0" cy="0"/>
+          <a:chOff x="0" y="0"/>
+          <a:chExt cx="0" cy="0"/>
+        </a:xfrm>
+      </p:grpSpPr>
+      <p:sp>
+        <p:nvSpPr>
+          <p:cNvPr id="2" name="Titel 1"/>
+          <p:cNvSpPr>
+            <a:spLocks noGrp="1"/>
+          </p:cNvSpPr>
+          <p:nvPr>
+            <p:ph type="title"/>
+          </p:nvPr>
+        </p:nvSpPr>
+        <p:spPr>
+          <a:xfrm>
+            <a:off x="428596" y="285728"/>
+            <a:ext cx="7772040" cy="1469520"/>
+          </a:xfrm>
+        </p:spPr>
+        <p:txBody>
+          <a:bodyPr/>
+          <a:lstStyle/>
+          <a:p>
+            <a:pPr algn="ctr"/>
+            <a:r>
+              <a:rPr lang="de-DE" sz="2800" dirty="0" smtClean="0">
+                <a:latin typeface="Calibri" pitchFamily="34" charset="0"/>
+                <a:cs typeface="Calibri" pitchFamily="34" charset="0"/>
+              </a:rPr>
+              <a:t>Fragen</a:t>
+            </a:r>
+            <a:endParaRPr lang="de-DE" dirty="0">
+              <a:latin typeface="Calibri" pitchFamily="34" charset="0"/>
+              <a:cs typeface="Calibri" pitchFamily="34" charset="0"/>
+            </a:endParaRPr>
+          </a:p>
+        </p:txBody>
+      </p:sp>
+      <p:sp>
+        <p:nvSpPr>
+          <p:cNvPr id="3" name="Inhaltsplatzhalter 2"/>
+          <p:cNvSpPr>
+            <a:spLocks noGrp="1"/>
+          </p:cNvSpPr>
+          <p:nvPr>
+            <p:ph idx="4294967295"/>
+          </p:nvPr>
+        </p:nvSpPr>
+        <p:spPr>
+          <a:xfrm>
+            <a:off x="642910" y="1714488"/>
+            <a:ext cx="8229600" cy="4525963"/>
+          </a:xfrm>
+          <a:prstGeom prst="rect">
+            <a:avLst/>
+          </a:prstGeom>
+        </p:spPr>
+        <p:txBody>
+          <a:bodyPr>
+            <a:normAutofit/>
+          </a:bodyPr>
+          <a:lstStyle/>
+          <a:p>
+            <a:pPr>
+              <a:buFont typeface="Arial" pitchFamily="34" charset="0"/>
+              <a:buChar char="•"/>
+            </a:pPr>
+            <a:r>
+              <a:rPr lang="de-DE" sz="2400" dirty="0" smtClean="0">
+                <a:latin typeface="Calibri" pitchFamily="34" charset="0"/>
+                <a:cs typeface="Calibri" pitchFamily="34" charset="0"/>
+              </a:rPr>
+              <a:t>Checkbox : Funktion</a:t>
+            </a:r>
+            <a:r>
+              <a:rPr lang="de-DE" sz="2400" dirty="0" smtClean="0">
+                <a:latin typeface="Calibri" pitchFamily="34" charset="0"/>
+                <a:cs typeface="Calibri" pitchFamily="34" charset="0"/>
+              </a:rPr>
+              <a:t>?</a:t>
+            </a:r>
+          </a:p>
+          <a:p>
+            <a:endParaRPr lang="de-DE" sz="2400" dirty="0" smtClean="0">
+              <a:latin typeface="Calibri" pitchFamily="34" charset="0"/>
+              <a:cs typeface="Calibri" pitchFamily="34" charset="0"/>
+            </a:endParaRPr>
+          </a:p>
+          <a:p>
+            <a:pPr>
+              <a:buFont typeface="Arial" pitchFamily="34" charset="0"/>
+              <a:buChar char="•"/>
+            </a:pPr>
+            <a:r>
+              <a:rPr lang="de-DE" sz="2400" dirty="0">
+                <a:latin typeface="Calibri" pitchFamily="34" charset="0"/>
+                <a:cs typeface="Calibri" pitchFamily="34" charset="0"/>
+              </a:rPr>
+              <a:t>Ein interessantes/wichtiges Detail zu berücksichtigen, ist die #</a:t>
+            </a:r>
+            <a:r>
+              <a:rPr lang="de-DE" sz="2400" dirty="0" err="1">
+                <a:latin typeface="Calibri" pitchFamily="34" charset="0"/>
+                <a:cs typeface="Calibri" pitchFamily="34" charset="0"/>
+              </a:rPr>
+              <a:t>Spektra</a:t>
+            </a:r>
+            <a:r>
+              <a:rPr lang="de-DE" sz="2400" dirty="0">
+                <a:latin typeface="Calibri" pitchFamily="34" charset="0"/>
+                <a:cs typeface="Calibri" pitchFamily="34" charset="0"/>
+              </a:rPr>
+              <a:t> in dem </a:t>
+            </a:r>
+            <a:r>
+              <a:rPr lang="de-DE" sz="2400" dirty="0" err="1">
+                <a:latin typeface="Calibri" pitchFamily="34" charset="0"/>
+                <a:cs typeface="Calibri" pitchFamily="34" charset="0"/>
+              </a:rPr>
+              <a:t>Peptidtabellen-Screenshot</a:t>
+            </a:r>
+            <a:r>
+              <a:rPr lang="de-DE" sz="2400" dirty="0">
+                <a:latin typeface="Calibri" pitchFamily="34" charset="0"/>
+                <a:cs typeface="Calibri" pitchFamily="34" charset="0"/>
+              </a:rPr>
+              <a:t>: Hier müsste man aufsummieren, ob PSMs mit derselben Sequenz mehrmals mit verschiedenen _Scans_ auftauchen. </a:t>
+            </a:r>
+            <a:r>
+              <a:rPr lang="de-DE" sz="2400" dirty="0" smtClean="0">
+                <a:latin typeface="Calibri" pitchFamily="34" charset="0"/>
+                <a:cs typeface="Calibri" pitchFamily="34" charset="0"/>
+              </a:rPr>
+              <a:t/>
+            </a:r>
+            <a:br>
+              <a:rPr lang="de-DE" sz="2400" dirty="0" smtClean="0">
+                <a:latin typeface="Calibri" pitchFamily="34" charset="0"/>
+                <a:cs typeface="Calibri" pitchFamily="34" charset="0"/>
+              </a:rPr>
+            </a:br>
+            <a:r>
+              <a:rPr lang="de-DE" sz="2400" dirty="0">
+                <a:latin typeface="Calibri" pitchFamily="34" charset="0"/>
+                <a:cs typeface="Calibri" pitchFamily="34" charset="0"/>
+              </a:rPr>
+              <a:t>Ein leichter Stolperstein </a:t>
+            </a:r>
+            <a:r>
+              <a:rPr lang="de-DE" sz="2400" dirty="0" err="1">
+                <a:latin typeface="Calibri" pitchFamily="34" charset="0"/>
+                <a:cs typeface="Calibri" pitchFamily="34" charset="0"/>
+              </a:rPr>
+              <a:t>bzgl</a:t>
+            </a:r>
+            <a:r>
+              <a:rPr lang="de-DE" sz="2400" dirty="0">
+                <a:latin typeface="Calibri" pitchFamily="34" charset="0"/>
+                <a:cs typeface="Calibri" pitchFamily="34" charset="0"/>
+              </a:rPr>
+              <a:t> dessen ist, dass in den PSM </a:t>
+            </a:r>
+            <a:r>
+              <a:rPr lang="de-DE" sz="2400" dirty="0" err="1">
+                <a:latin typeface="Calibri" pitchFamily="34" charset="0"/>
+                <a:cs typeface="Calibri" pitchFamily="34" charset="0"/>
+              </a:rPr>
+              <a:t>mzTab</a:t>
+            </a:r>
+            <a:r>
+              <a:rPr lang="de-DE" sz="2400" dirty="0">
+                <a:latin typeface="Calibri" pitchFamily="34" charset="0"/>
+                <a:cs typeface="Calibri" pitchFamily="34" charset="0"/>
+              </a:rPr>
+              <a:t> Tabellen derselbe Scan mehrmals hintereinander mit unterschiedlichen Proteinen </a:t>
+            </a:r>
+            <a:r>
+              <a:rPr lang="de-DE" sz="2400" dirty="0" err="1">
+                <a:latin typeface="Calibri" pitchFamily="34" charset="0"/>
+                <a:cs typeface="Calibri" pitchFamily="34" charset="0"/>
+              </a:rPr>
+              <a:t>assoziert</a:t>
+            </a:r>
+            <a:r>
+              <a:rPr lang="de-DE" sz="2400" dirty="0">
+                <a:latin typeface="Calibri" pitchFamily="34" charset="0"/>
+                <a:cs typeface="Calibri" pitchFamily="34" charset="0"/>
+              </a:rPr>
+              <a:t> wird (erkennbar an selber </a:t>
+            </a:r>
+            <a:r>
+              <a:rPr lang="de-DE" sz="2400" dirty="0" err="1">
+                <a:latin typeface="Calibri" pitchFamily="34" charset="0"/>
+                <a:cs typeface="Calibri" pitchFamily="34" charset="0"/>
+              </a:rPr>
+              <a:t>scan</a:t>
+            </a:r>
+            <a:r>
+              <a:rPr lang="de-DE" sz="2400" dirty="0">
+                <a:latin typeface="Calibri" pitchFamily="34" charset="0"/>
+                <a:cs typeface="Calibri" pitchFamily="34" charset="0"/>
+              </a:rPr>
+              <a:t> nummer, </a:t>
+            </a:r>
+            <a:r>
+              <a:rPr lang="de-DE" sz="2400" dirty="0" err="1">
+                <a:latin typeface="Calibri" pitchFamily="34" charset="0"/>
+                <a:cs typeface="Calibri" pitchFamily="34" charset="0"/>
+              </a:rPr>
+              <a:t>retentionszeit</a:t>
+            </a:r>
+            <a:r>
+              <a:rPr lang="de-DE" sz="2400" dirty="0">
+                <a:latin typeface="Calibri" pitchFamily="34" charset="0"/>
+                <a:cs typeface="Calibri" pitchFamily="34" charset="0"/>
+              </a:rPr>
+              <a:t>). Diese Scans dürfen natürlich nicht für denselben </a:t>
+            </a:r>
+            <a:r>
+              <a:rPr lang="de-DE" sz="2400" dirty="0" err="1">
+                <a:latin typeface="Calibri" pitchFamily="34" charset="0"/>
+                <a:cs typeface="Calibri" pitchFamily="34" charset="0"/>
+              </a:rPr>
+              <a:t>Peptidtabelleneintrag</a:t>
+            </a:r>
+            <a:r>
+              <a:rPr lang="de-DE" sz="2400" dirty="0">
+                <a:latin typeface="Calibri" pitchFamily="34" charset="0"/>
+                <a:cs typeface="Calibri" pitchFamily="34" charset="0"/>
+              </a:rPr>
+              <a:t> summiert werden.</a:t>
+            </a:r>
+          </a:p>
+        </p:txBody>
+      </p:sp>
+    </p:spTree>
+  </p:cSld>
+  <p:clrMapOvr>
+    <a:masterClrMapping/>
+  </p:clrMapOvr>
 </p:sld>
 </file>
 
@@ -4772,6 +5187,8 @@
       </a:bgFillStyleLst>
     </a:fmtScheme>
   </a:themeElements>
+  <a:objectDefaults/>
+  <a:extraClrSchemeLst/>
 </a:theme>
 </file>
 
@@ -4995,5 +5412,7 @@
       </a:bgFillStyleLst>
     </a:fmtScheme>
   </a:themeElements>
+  <a:objectDefaults/>
+  <a:extraClrSchemeLst/>
 </a:theme>
 </file>